--- a/基础PPT/第4章：Java字符串详解.pptx
+++ b/基础PPT/第4章：Java字符串详解.pptx
@@ -5,20 +5,21 @@
     <p:sldMasterId id="2147483648" r:id="rId1"/>
   </p:sldMasterIdLst>
   <p:notesMasterIdLst>
-    <p:notesMasterId r:id="rId14"/>
+    <p:notesMasterId r:id="rId15"/>
   </p:notesMasterIdLst>
   <p:sldIdLst>
     <p:sldId id="660" r:id="rId3"/>
     <p:sldId id="661" r:id="rId4"/>
-    <p:sldId id="663" r:id="rId5"/>
-    <p:sldId id="664" r:id="rId6"/>
-    <p:sldId id="665" r:id="rId7"/>
-    <p:sldId id="666" r:id="rId8"/>
-    <p:sldId id="667" r:id="rId9"/>
-    <p:sldId id="668" r:id="rId10"/>
-    <p:sldId id="669" r:id="rId11"/>
-    <p:sldId id="678" r:id="rId12"/>
-    <p:sldId id="662" r:id="rId13"/>
+    <p:sldId id="680" r:id="rId5"/>
+    <p:sldId id="663" r:id="rId6"/>
+    <p:sldId id="664" r:id="rId7"/>
+    <p:sldId id="665" r:id="rId8"/>
+    <p:sldId id="666" r:id="rId9"/>
+    <p:sldId id="667" r:id="rId10"/>
+    <p:sldId id="668" r:id="rId11"/>
+    <p:sldId id="669" r:id="rId12"/>
+    <p:sldId id="678" r:id="rId13"/>
+    <p:sldId id="662" r:id="rId14"/>
   </p:sldIdLst>
   <p:sldSz cx="12192000" cy="6858000"/>
   <p:notesSz cx="6858000" cy="9144000"/>
@@ -6355,6 +6356,206 @@
         <p:nvPr/>
       </p:nvGrpSpPr>
       <p:grpSpPr/>
+      <p:sp>
+        <p:nvSpPr>
+          <p:cNvPr id="4" name="文本框 3"/>
+          <p:cNvSpPr txBox="1"/>
+          <p:nvPr/>
+        </p:nvSpPr>
+        <p:spPr>
+          <a:xfrm>
+            <a:off x="4173220" y="701040"/>
+            <a:ext cx="4699635" cy="583565"/>
+          </a:xfrm>
+          <a:prstGeom prst="rect">
+            <a:avLst/>
+          </a:prstGeom>
+          <a:noFill/>
+        </p:spPr>
+        <p:txBody>
+          <a:bodyPr wrap="square" rtlCol="0">
+            <a:spAutoFit/>
+          </a:bodyPr>
+          <a:p>
+            <a:r>
+              <a:rPr lang="zh-CN" altLang="en-US" sz="3200"/>
+              <a:t>UUID 生成</a:t>
+            </a:r>
+            <a:endParaRPr lang="zh-CN" altLang="en-US" sz="3200"/>
+          </a:p>
+        </p:txBody>
+      </p:sp>
+      <p:sp>
+        <p:nvSpPr>
+          <p:cNvPr id="3" name="文本框 2"/>
+          <p:cNvSpPr txBox="1"/>
+          <p:nvPr/>
+        </p:nvSpPr>
+        <p:spPr>
+          <a:xfrm>
+            <a:off x="367030" y="1356360"/>
+            <a:ext cx="11421110" cy="3784600"/>
+          </a:xfrm>
+          <a:prstGeom prst="rect">
+            <a:avLst/>
+          </a:prstGeom>
+          <a:noFill/>
+        </p:spPr>
+        <p:txBody>
+          <a:bodyPr wrap="square" rtlCol="0">
+            <a:spAutoFit/>
+          </a:bodyPr>
+          <a:p>
+            <a:r>
+              <a:rPr lang="zh-CN" altLang="en-US" sz="1600">
+                <a:latin typeface="宋体" panose="02010600030101010101" pitchFamily="2" charset="-122"/>
+                <a:ea typeface="宋体" panose="02010600030101010101" pitchFamily="2" charset="-122"/>
+                <a:cs typeface="宋体" panose="02010600030101010101" pitchFamily="2" charset="-122"/>
+              </a:rPr>
+              <a:t>UUID是1.5中新增的一个类，在java.util下，用它可以产生一个号称全球唯一的ID</a:t>
+            </a:r>
+            <a:endParaRPr lang="zh-CN" altLang="en-US" sz="1600">
+              <a:latin typeface="宋体" panose="02010600030101010101" pitchFamily="2" charset="-122"/>
+              <a:ea typeface="宋体" panose="02010600030101010101" pitchFamily="2" charset="-122"/>
+              <a:cs typeface="宋体" panose="02010600030101010101" pitchFamily="2" charset="-122"/>
+            </a:endParaRPr>
+          </a:p>
+          <a:p>
+            <a:endParaRPr lang="zh-CN" altLang="en-US" sz="1600">
+              <a:latin typeface="宋体" panose="02010600030101010101" pitchFamily="2" charset="-122"/>
+              <a:ea typeface="宋体" panose="02010600030101010101" pitchFamily="2" charset="-122"/>
+              <a:cs typeface="宋体" panose="02010600030101010101" pitchFamily="2" charset="-122"/>
+            </a:endParaRPr>
+          </a:p>
+          <a:p>
+            <a:r>
+              <a:rPr lang="zh-CN" altLang="en-US" sz="1600">
+                <a:latin typeface="宋体" panose="02010600030101010101" pitchFamily="2" charset="-122"/>
+                <a:ea typeface="宋体" panose="02010600030101010101" pitchFamily="2" charset="-122"/>
+                <a:cs typeface="宋体" panose="02010600030101010101" pitchFamily="2" charset="-122"/>
+              </a:rPr>
+              <a:t>UUID(Universally Unique Identifier)全局唯一标识符,是指在一台机器上生成的数字，它保证对在同一时空中的所有机器都是唯一的。按照开放软件基金会(OSF)制定的标准计算，用到了以太网卡地址、纳秒级时间、芯片ID码和许多可能的数字。由以下几部分的组合：当前日期和时间(UUID的第一个部分与时间有关，如果你在生成一个UUID之后，过几秒又生成一个UUID，则第一个部分不同，其余相同)，时钟序列，全局唯一的IEEE机器识别号（如果有网卡，从网卡获得，没有网卡以其他方式获得），UUID的唯一缺陷在于生成的结果串会比较长。</a:t>
+            </a:r>
+            <a:endParaRPr lang="zh-CN" altLang="en-US" sz="1600">
+              <a:latin typeface="宋体" panose="02010600030101010101" pitchFamily="2" charset="-122"/>
+              <a:ea typeface="宋体" panose="02010600030101010101" pitchFamily="2" charset="-122"/>
+              <a:cs typeface="宋体" panose="02010600030101010101" pitchFamily="2" charset="-122"/>
+            </a:endParaRPr>
+          </a:p>
+          <a:p>
+            <a:r>
+              <a:rPr lang="zh-CN" altLang="en-US" sz="1600">
+                <a:latin typeface="宋体" panose="02010600030101010101" pitchFamily="2" charset="-122"/>
+                <a:ea typeface="宋体" panose="02010600030101010101" pitchFamily="2" charset="-122"/>
+                <a:cs typeface="宋体" panose="02010600030101010101" pitchFamily="2" charset="-122"/>
+              </a:rPr>
+              <a:t>在Java中生成UUID主要有以下几种方式:</a:t>
+            </a:r>
+            <a:endParaRPr lang="zh-CN" altLang="en-US" sz="1600">
+              <a:latin typeface="宋体" panose="02010600030101010101" pitchFamily="2" charset="-122"/>
+              <a:ea typeface="宋体" panose="02010600030101010101" pitchFamily="2" charset="-122"/>
+              <a:cs typeface="宋体" panose="02010600030101010101" pitchFamily="2" charset="-122"/>
+            </a:endParaRPr>
+          </a:p>
+          <a:p>
+            <a:r>
+              <a:rPr lang="zh-CN" altLang="en-US" sz="1600">
+                <a:latin typeface="宋体" panose="02010600030101010101" pitchFamily="2" charset="-122"/>
+                <a:ea typeface="宋体" panose="02010600030101010101" pitchFamily="2" charset="-122"/>
+                <a:cs typeface="宋体" panose="02010600030101010101" pitchFamily="2" charset="-122"/>
+              </a:rPr>
+              <a:t>JDK1.5</a:t>
+            </a:r>
+            <a:endParaRPr lang="zh-CN" altLang="en-US" sz="1600">
+              <a:latin typeface="宋体" panose="02010600030101010101" pitchFamily="2" charset="-122"/>
+              <a:ea typeface="宋体" panose="02010600030101010101" pitchFamily="2" charset="-122"/>
+              <a:cs typeface="宋体" panose="02010600030101010101" pitchFamily="2" charset="-122"/>
+            </a:endParaRPr>
+          </a:p>
+          <a:p>
+            <a:r>
+              <a:rPr lang="zh-CN" altLang="en-US" sz="1600">
+                <a:latin typeface="宋体" panose="02010600030101010101" pitchFamily="2" charset="-122"/>
+                <a:ea typeface="宋体" panose="02010600030101010101" pitchFamily="2" charset="-122"/>
+                <a:cs typeface="宋体" panose="02010600030101010101" pitchFamily="2" charset="-122"/>
+              </a:rPr>
+              <a:t>如果使用的JDK1.5的话,那么生成UUID变成了一件简单的事,以为JDK实现了UUID:</a:t>
+            </a:r>
+            <a:endParaRPr lang="zh-CN" altLang="en-US" sz="1600">
+              <a:latin typeface="宋体" panose="02010600030101010101" pitchFamily="2" charset="-122"/>
+              <a:ea typeface="宋体" panose="02010600030101010101" pitchFamily="2" charset="-122"/>
+              <a:cs typeface="宋体" panose="02010600030101010101" pitchFamily="2" charset="-122"/>
+            </a:endParaRPr>
+          </a:p>
+          <a:p>
+            <a:r>
+              <a:rPr lang="zh-CN" altLang="en-US" sz="1600">
+                <a:latin typeface="宋体" panose="02010600030101010101" pitchFamily="2" charset="-122"/>
+                <a:ea typeface="宋体" panose="02010600030101010101" pitchFamily="2" charset="-122"/>
+                <a:cs typeface="宋体" panose="02010600030101010101" pitchFamily="2" charset="-122"/>
+              </a:rPr>
+              <a:t>java.util.UUID,直接调用即可.</a:t>
+            </a:r>
+            <a:endParaRPr lang="zh-CN" altLang="en-US" sz="1600">
+              <a:latin typeface="宋体" panose="02010600030101010101" pitchFamily="2" charset="-122"/>
+              <a:ea typeface="宋体" panose="02010600030101010101" pitchFamily="2" charset="-122"/>
+              <a:cs typeface="宋体" panose="02010600030101010101" pitchFamily="2" charset="-122"/>
+            </a:endParaRPr>
+          </a:p>
+          <a:p>
+            <a:endParaRPr lang="zh-CN" altLang="en-US" sz="1600">
+              <a:latin typeface="宋体" panose="02010600030101010101" pitchFamily="2" charset="-122"/>
+              <a:ea typeface="宋体" panose="02010600030101010101" pitchFamily="2" charset="-122"/>
+              <a:cs typeface="宋体" panose="02010600030101010101" pitchFamily="2" charset="-122"/>
+            </a:endParaRPr>
+          </a:p>
+          <a:p>
+            <a:r>
+              <a:rPr lang="zh-CN" altLang="en-US" sz="1600">
+                <a:latin typeface="宋体" panose="02010600030101010101" pitchFamily="2" charset="-122"/>
+                <a:ea typeface="宋体" panose="02010600030101010101" pitchFamily="2" charset="-122"/>
+                <a:cs typeface="宋体" panose="02010600030101010101" pitchFamily="2" charset="-122"/>
+              </a:rPr>
+              <a:t>UUID uuid = UUID.randomUUID();</a:t>
+            </a:r>
+            <a:endParaRPr lang="zh-CN" altLang="en-US" sz="1600">
+              <a:latin typeface="宋体" panose="02010600030101010101" pitchFamily="2" charset="-122"/>
+              <a:ea typeface="宋体" panose="02010600030101010101" pitchFamily="2" charset="-122"/>
+              <a:cs typeface="宋体" panose="02010600030101010101" pitchFamily="2" charset="-122"/>
+            </a:endParaRPr>
+          </a:p>
+          <a:p>
+            <a:r>
+              <a:rPr lang="zh-CN" altLang="en-US" sz="1600">
+                <a:latin typeface="宋体" panose="02010600030101010101" pitchFamily="2" charset="-122"/>
+                <a:ea typeface="宋体" panose="02010600030101010101" pitchFamily="2" charset="-122"/>
+                <a:cs typeface="宋体" panose="02010600030101010101" pitchFamily="2" charset="-122"/>
+              </a:rPr>
+              <a:t>String s = UUID.randomUUID().toString(); //用来生成数据库的主键id非常不错。。</a:t>
+            </a:r>
+            <a:endParaRPr lang="zh-CN" altLang="en-US" sz="1600">
+              <a:latin typeface="宋体" panose="02010600030101010101" pitchFamily="2" charset="-122"/>
+              <a:ea typeface="宋体" panose="02010600030101010101" pitchFamily="2" charset="-122"/>
+              <a:cs typeface="宋体" panose="02010600030101010101" pitchFamily="2" charset="-122"/>
+            </a:endParaRPr>
+          </a:p>
+          <a:p>
+            <a:r>
+              <a:rPr lang="zh-CN" altLang="en-US" sz="1600">
+                <a:latin typeface="宋体" panose="02010600030101010101" pitchFamily="2" charset="-122"/>
+                <a:ea typeface="宋体" panose="02010600030101010101" pitchFamily="2" charset="-122"/>
+                <a:cs typeface="宋体" panose="02010600030101010101" pitchFamily="2" charset="-122"/>
+              </a:rPr>
+              <a:t> </a:t>
+            </a:r>
+            <a:endParaRPr lang="zh-CN" altLang="en-US" sz="1600">
+              <a:latin typeface="宋体" panose="02010600030101010101" pitchFamily="2" charset="-122"/>
+              <a:ea typeface="宋体" panose="02010600030101010101" pitchFamily="2" charset="-122"/>
+              <a:cs typeface="宋体" panose="02010600030101010101" pitchFamily="2" charset="-122"/>
+            </a:endParaRPr>
+          </a:p>
+        </p:txBody>
+      </p:sp>
     </p:spTree>
     <p:custDataLst>
       <p:tags r:id="rId2"/>
@@ -6398,6 +6599,38 @@
 </p:sld>
 </file>
 
+<file path=ppt/slides/slide12.xml><?xml version="1.0" encoding="utf-8"?>
+<p:sld xmlns:a="http://schemas.openxmlformats.org/drawingml/2006/main" xmlns:r="http://schemas.openxmlformats.org/officeDocument/2006/relationships" xmlns:p="http://schemas.openxmlformats.org/presentationml/2006/main">
+  <p:cSld>
+    <p:bg>
+      <p:bgPr>
+        <a:blipFill rotWithShape="1">
+          <a:blip r:embed="rId1"/>
+          <a:stretch>
+            <a:fillRect/>
+          </a:stretch>
+        </a:blipFill>
+        <a:effectLst/>
+      </p:bgPr>
+    </p:bg>
+    <p:spTree>
+      <p:nvGrpSpPr>
+        <p:cNvPr id="1" name=""/>
+        <p:cNvGrpSpPr/>
+        <p:nvPr/>
+      </p:nvGrpSpPr>
+      <p:grpSpPr/>
+    </p:spTree>
+    <p:custDataLst>
+      <p:tags r:id="rId2"/>
+    </p:custDataLst>
+  </p:cSld>
+  <p:clrMapOvr>
+    <a:masterClrMapping/>
+  </p:clrMapOvr>
+</p:sld>
+</file>
+
 <file path=ppt/slides/slide2.xml><?xml version="1.0" encoding="utf-8"?>
 <p:sld xmlns:a="http://schemas.openxmlformats.org/drawingml/2006/main" xmlns:r="http://schemas.openxmlformats.org/officeDocument/2006/relationships" xmlns:p="http://schemas.openxmlformats.org/presentationml/2006/main">
   <p:cSld>
@@ -6427,8 +6660,8 @@
         </p:nvSpPr>
         <p:spPr>
           <a:xfrm>
-            <a:off x="3945890" y="819150"/>
-            <a:ext cx="3825240" cy="583565"/>
+            <a:off x="283845" y="819150"/>
+            <a:ext cx="11567795" cy="583565"/>
           </a:xfrm>
           <a:prstGeom prst="rect">
             <a:avLst/>
@@ -6440,6 +6673,7 @@
             <a:spAutoFit/>
           </a:bodyPr>
           <a:p>
+            <a:pPr algn="ctr"/>
             <a:r>
               <a:rPr lang="zh-CN" altLang="en-US" sz="3200"/>
               <a:t>字符串的不可变性</a:t>
@@ -6509,55 +6743,48 @@
           </a:prstGeom>
         </p:spPr>
       </p:pic>
+    </p:spTree>
+    <p:custDataLst>
+      <p:tags r:id="rId3"/>
+    </p:custDataLst>
+  </p:cSld>
+  <p:clrMapOvr>
+    <a:masterClrMapping/>
+  </p:clrMapOvr>
+</p:sld>
+</file>
+
+<file path=ppt/slides/slide3.xml><?xml version="1.0" encoding="utf-8"?>
+<p:sld xmlns:a="http://schemas.openxmlformats.org/drawingml/2006/main" xmlns:r="http://schemas.openxmlformats.org/officeDocument/2006/relationships" xmlns:p="http://schemas.openxmlformats.org/presentationml/2006/main">
+  <p:cSld>
+    <p:bg>
+      <p:bgPr>
+        <a:blipFill rotWithShape="1">
+          <a:blip r:embed="rId1"/>
+          <a:stretch>
+            <a:fillRect/>
+          </a:stretch>
+        </a:blipFill>
+        <a:effectLst/>
+      </p:bgPr>
+    </p:bg>
+    <p:spTree>
+      <p:nvGrpSpPr>
+        <p:cNvPr id="1" name=""/>
+        <p:cNvGrpSpPr/>
+        <p:nvPr/>
+      </p:nvGrpSpPr>
+      <p:grpSpPr/>
       <p:sp>
         <p:nvSpPr>
-          <p:cNvPr id="11" name="右箭头 10"/>
-          <p:cNvSpPr/>
-          <p:nvPr/>
-        </p:nvSpPr>
-        <p:spPr>
-          <a:xfrm>
-            <a:off x="4656455" y="2677160"/>
-            <a:ext cx="883285" cy="427990"/>
-          </a:xfrm>
-          <a:prstGeom prst="rightArrow">
-            <a:avLst/>
-          </a:prstGeom>
-        </p:spPr>
-        <p:style>
-          <a:lnRef idx="2">
-            <a:schemeClr val="accent3">
-              <a:shade val="50000"/>
-            </a:schemeClr>
-          </a:lnRef>
-          <a:fillRef idx="1">
-            <a:schemeClr val="accent3"/>
-          </a:fillRef>
-          <a:effectRef idx="0">
-            <a:schemeClr val="accent3"/>
-          </a:effectRef>
-          <a:fontRef idx="minor">
-            <a:schemeClr val="lt1"/>
-          </a:fontRef>
-        </p:style>
-        <p:txBody>
-          <a:bodyPr rtlCol="0" anchor="ctr"/>
-          <a:p>
-            <a:pPr algn="ctr"/>
-            <a:endParaRPr lang="zh-CN" altLang="en-US"/>
-          </a:p>
-        </p:txBody>
-      </p:sp>
-      <p:sp>
-        <p:nvSpPr>
-          <p:cNvPr id="8" name="文本框 7"/>
+          <p:cNvPr id="6" name="文本框 5"/>
           <p:cNvSpPr txBox="1"/>
           <p:nvPr/>
         </p:nvSpPr>
         <p:spPr>
           <a:xfrm>
-            <a:off x="5664835" y="2683510"/>
-            <a:ext cx="2795905" cy="368300"/>
+            <a:off x="283845" y="819150"/>
+            <a:ext cx="11567795" cy="583565"/>
           </a:xfrm>
           <a:prstGeom prst="rect">
             <a:avLst/>
@@ -6569,17 +6796,211 @@
             <a:spAutoFit/>
           </a:bodyPr>
           <a:p>
-            <a:r>
-              <a:rPr lang="zh-CN" altLang="en-US"/>
-              <a:t>参考Java字符串常量池</a:t>
-            </a:r>
-            <a:endParaRPr lang="zh-CN" altLang="en-US"/>
+            <a:pPr algn="ctr"/>
+            <a:r>
+              <a:rPr lang="zh-CN" altLang="en-US" sz="3200"/>
+              <a:t>字符串常量池</a:t>
+            </a:r>
+            <a:endParaRPr lang="zh-CN" altLang="en-US" sz="3200"/>
+          </a:p>
+        </p:txBody>
+      </p:sp>
+      <p:sp>
+        <p:nvSpPr>
+          <p:cNvPr id="7" name="文本框 6"/>
+          <p:cNvSpPr txBox="1"/>
+          <p:nvPr/>
+        </p:nvSpPr>
+        <p:spPr>
+          <a:xfrm>
+            <a:off x="78105" y="1383665"/>
+            <a:ext cx="11991975" cy="4799965"/>
+          </a:xfrm>
+          <a:prstGeom prst="rect">
+            <a:avLst/>
+          </a:prstGeom>
+          <a:noFill/>
+        </p:spPr>
+        <p:txBody>
+          <a:bodyPr wrap="square" rtlCol="0">
+            <a:spAutoFit/>
+          </a:bodyPr>
+          <a:p>
+            <a:r>
+              <a:rPr lang="zh-CN" altLang="en-US">
+                <a:latin typeface="宋体" panose="02010600030101010101" pitchFamily="2" charset="-122"/>
+                <a:ea typeface="宋体" panose="02010600030101010101" pitchFamily="2" charset="-122"/>
+                <a:cs typeface="宋体" panose="02010600030101010101" pitchFamily="2" charset="-122"/>
+              </a:rPr>
+              <a:t>作为最基础的引用数据类型，Java 设计者为 String 提供了字符串常量池以提高其性能，那么字符串常量池的具体原理是什么?</a:t>
+            </a:r>
+            <a:endParaRPr lang="zh-CN" altLang="en-US">
+              <a:latin typeface="宋体" panose="02010600030101010101" pitchFamily="2" charset="-122"/>
+              <a:ea typeface="宋体" panose="02010600030101010101" pitchFamily="2" charset="-122"/>
+              <a:cs typeface="宋体" panose="02010600030101010101" pitchFamily="2" charset="-122"/>
+            </a:endParaRPr>
+          </a:p>
+          <a:p>
+            <a:r>
+              <a:rPr lang="zh-CN" altLang="en-US">
+                <a:latin typeface="宋体" panose="02010600030101010101" pitchFamily="2" charset="-122"/>
+                <a:ea typeface="宋体" panose="02010600030101010101" pitchFamily="2" charset="-122"/>
+                <a:cs typeface="宋体" panose="02010600030101010101" pitchFamily="2" charset="-122"/>
+              </a:rPr>
+              <a:t>字符串常量池的设计思想是什么？</a:t>
+            </a:r>
+            <a:endParaRPr lang="zh-CN" altLang="en-US">
+              <a:latin typeface="宋体" panose="02010600030101010101" pitchFamily="2" charset="-122"/>
+              <a:ea typeface="宋体" panose="02010600030101010101" pitchFamily="2" charset="-122"/>
+              <a:cs typeface="宋体" panose="02010600030101010101" pitchFamily="2" charset="-122"/>
+            </a:endParaRPr>
+          </a:p>
+          <a:p>
+            <a:r>
+              <a:rPr lang="zh-CN" altLang="en-US">
+                <a:latin typeface="宋体" panose="02010600030101010101" pitchFamily="2" charset="-122"/>
+                <a:ea typeface="宋体" panose="02010600030101010101" pitchFamily="2" charset="-122"/>
+                <a:cs typeface="宋体" panose="02010600030101010101" pitchFamily="2" charset="-122"/>
+              </a:rPr>
+              <a:t>字符串常量池在哪里？</a:t>
+            </a:r>
+            <a:endParaRPr lang="zh-CN" altLang="en-US">
+              <a:latin typeface="宋体" panose="02010600030101010101" pitchFamily="2" charset="-122"/>
+              <a:ea typeface="宋体" panose="02010600030101010101" pitchFamily="2" charset="-122"/>
+              <a:cs typeface="宋体" panose="02010600030101010101" pitchFamily="2" charset="-122"/>
+            </a:endParaRPr>
+          </a:p>
+          <a:p>
+            <a:r>
+              <a:rPr lang="zh-CN" altLang="en-US">
+                <a:latin typeface="宋体" panose="02010600030101010101" pitchFamily="2" charset="-122"/>
+                <a:ea typeface="宋体" panose="02010600030101010101" pitchFamily="2" charset="-122"/>
+                <a:cs typeface="宋体" panose="02010600030101010101" pitchFamily="2" charset="-122"/>
+              </a:rPr>
+              <a:t>如何操作字符串常量池？</a:t>
+            </a:r>
+            <a:endParaRPr lang="zh-CN" altLang="en-US">
+              <a:latin typeface="宋体" panose="02010600030101010101" pitchFamily="2" charset="-122"/>
+              <a:ea typeface="宋体" panose="02010600030101010101" pitchFamily="2" charset="-122"/>
+              <a:cs typeface="宋体" panose="02010600030101010101" pitchFamily="2" charset="-122"/>
+            </a:endParaRPr>
+          </a:p>
+          <a:p>
+            <a:endParaRPr lang="zh-CN" altLang="en-US">
+              <a:latin typeface="宋体" panose="02010600030101010101" pitchFamily="2" charset="-122"/>
+              <a:ea typeface="宋体" panose="02010600030101010101" pitchFamily="2" charset="-122"/>
+              <a:cs typeface="宋体" panose="02010600030101010101" pitchFamily="2" charset="-122"/>
+            </a:endParaRPr>
+          </a:p>
+          <a:p>
+            <a:r>
+              <a:rPr lang="zh-CN" altLang="en-US">
+                <a:latin typeface="宋体" panose="02010600030101010101" pitchFamily="2" charset="-122"/>
+                <a:ea typeface="宋体" panose="02010600030101010101" pitchFamily="2" charset="-122"/>
+                <a:cs typeface="宋体" panose="02010600030101010101" pitchFamily="2" charset="-122"/>
+              </a:rPr>
+              <a:t>字符串的分配，和其他的对象分配一样，耗费高昂的时间与空间代价，作为最基础的数据类型，大量频繁的创建字符串，极大程度地影响程序的性能</a:t>
+            </a:r>
+            <a:endParaRPr lang="zh-CN" altLang="en-US">
+              <a:latin typeface="宋体" panose="02010600030101010101" pitchFamily="2" charset="-122"/>
+              <a:ea typeface="宋体" panose="02010600030101010101" pitchFamily="2" charset="-122"/>
+              <a:cs typeface="宋体" panose="02010600030101010101" pitchFamily="2" charset="-122"/>
+            </a:endParaRPr>
+          </a:p>
+          <a:p>
+            <a:endParaRPr lang="zh-CN" altLang="en-US">
+              <a:latin typeface="宋体" panose="02010600030101010101" pitchFamily="2" charset="-122"/>
+              <a:ea typeface="宋体" panose="02010600030101010101" pitchFamily="2" charset="-122"/>
+              <a:cs typeface="宋体" panose="02010600030101010101" pitchFamily="2" charset="-122"/>
+            </a:endParaRPr>
+          </a:p>
+          <a:p>
+            <a:r>
+              <a:rPr lang="zh-CN" altLang="en-US">
+                <a:latin typeface="宋体" panose="02010600030101010101" pitchFamily="2" charset="-122"/>
+                <a:ea typeface="宋体" panose="02010600030101010101" pitchFamily="2" charset="-122"/>
+                <a:cs typeface="宋体" panose="02010600030101010101" pitchFamily="2" charset="-122"/>
+              </a:rPr>
+              <a:t>JVM为了提高性能和减少内存开销，在实例化字符串常量的时候进行了一些优化</a:t>
+            </a:r>
+            <a:endParaRPr lang="zh-CN" altLang="en-US">
+              <a:latin typeface="宋体" panose="02010600030101010101" pitchFamily="2" charset="-122"/>
+              <a:ea typeface="宋体" panose="02010600030101010101" pitchFamily="2" charset="-122"/>
+              <a:cs typeface="宋体" panose="02010600030101010101" pitchFamily="2" charset="-122"/>
+            </a:endParaRPr>
+          </a:p>
+          <a:p>
+            <a:r>
+              <a:rPr lang="zh-CN" altLang="en-US">
+                <a:latin typeface="宋体" panose="02010600030101010101" pitchFamily="2" charset="-122"/>
+                <a:ea typeface="宋体" panose="02010600030101010101" pitchFamily="2" charset="-122"/>
+                <a:cs typeface="宋体" panose="02010600030101010101" pitchFamily="2" charset="-122"/>
+              </a:rPr>
+              <a:t>为字符串开辟一个字符串常量池，类似于缓存区</a:t>
+            </a:r>
+            <a:endParaRPr lang="zh-CN" altLang="en-US">
+              <a:latin typeface="宋体" panose="02010600030101010101" pitchFamily="2" charset="-122"/>
+              <a:ea typeface="宋体" panose="02010600030101010101" pitchFamily="2" charset="-122"/>
+              <a:cs typeface="宋体" panose="02010600030101010101" pitchFamily="2" charset="-122"/>
+            </a:endParaRPr>
+          </a:p>
+          <a:p>
+            <a:r>
+              <a:rPr lang="zh-CN" altLang="en-US">
+                <a:latin typeface="宋体" panose="02010600030101010101" pitchFamily="2" charset="-122"/>
+                <a:ea typeface="宋体" panose="02010600030101010101" pitchFamily="2" charset="-122"/>
+                <a:cs typeface="宋体" panose="02010600030101010101" pitchFamily="2" charset="-122"/>
+              </a:rPr>
+              <a:t>创建字符串常量时，首先坚持字符串常量池是否存在该字符串，存在该字符串，返回引用实例，不存在，实例化该字符串并放入池中</a:t>
+            </a:r>
+            <a:endParaRPr lang="zh-CN" altLang="en-US">
+              <a:latin typeface="宋体" panose="02010600030101010101" pitchFamily="2" charset="-122"/>
+              <a:ea typeface="宋体" panose="02010600030101010101" pitchFamily="2" charset="-122"/>
+              <a:cs typeface="宋体" panose="02010600030101010101" pitchFamily="2" charset="-122"/>
+            </a:endParaRPr>
+          </a:p>
+          <a:p>
+            <a:endParaRPr lang="zh-CN" altLang="en-US">
+              <a:latin typeface="宋体" panose="02010600030101010101" pitchFamily="2" charset="-122"/>
+              <a:ea typeface="宋体" panose="02010600030101010101" pitchFamily="2" charset="-122"/>
+              <a:cs typeface="宋体" panose="02010600030101010101" pitchFamily="2" charset="-122"/>
+            </a:endParaRPr>
+          </a:p>
+          <a:p>
+            <a:r>
+              <a:rPr lang="zh-CN" altLang="en-US">
+                <a:latin typeface="宋体" panose="02010600030101010101" pitchFamily="2" charset="-122"/>
+                <a:ea typeface="宋体" panose="02010600030101010101" pitchFamily="2" charset="-122"/>
+                <a:cs typeface="宋体" panose="02010600030101010101" pitchFamily="2" charset="-122"/>
+              </a:rPr>
+              <a:t>实现该优化的基础是因为字符串是不可变的，可以不用担心数据冲突进行共享</a:t>
+            </a:r>
+            <a:endParaRPr lang="zh-CN" altLang="en-US">
+              <a:latin typeface="宋体" panose="02010600030101010101" pitchFamily="2" charset="-122"/>
+              <a:ea typeface="宋体" panose="02010600030101010101" pitchFamily="2" charset="-122"/>
+              <a:cs typeface="宋体" panose="02010600030101010101" pitchFamily="2" charset="-122"/>
+            </a:endParaRPr>
+          </a:p>
+          <a:p>
+            <a:r>
+              <a:rPr lang="zh-CN" altLang="en-US">
+                <a:latin typeface="宋体" panose="02010600030101010101" pitchFamily="2" charset="-122"/>
+                <a:ea typeface="宋体" panose="02010600030101010101" pitchFamily="2" charset="-122"/>
+                <a:cs typeface="宋体" panose="02010600030101010101" pitchFamily="2" charset="-122"/>
+              </a:rPr>
+              <a:t>运行时实例创建的全局字符串常量池中有一个表，总是为池中每个唯一的字符串对象维护一个引用,这就意味着它们一直引用着字符串常量池中的对象，所以，在常量池中的这些字符串不会被垃圾收集器回收</a:t>
+            </a:r>
+            <a:endParaRPr lang="zh-CN" altLang="en-US">
+              <a:latin typeface="宋体" panose="02010600030101010101" pitchFamily="2" charset="-122"/>
+              <a:ea typeface="宋体" panose="02010600030101010101" pitchFamily="2" charset="-122"/>
+              <a:cs typeface="宋体" panose="02010600030101010101" pitchFamily="2" charset="-122"/>
+            </a:endParaRPr>
           </a:p>
         </p:txBody>
       </p:sp>
     </p:spTree>
     <p:custDataLst>
-      <p:tags r:id="rId3"/>
+      <p:tags r:id="rId2"/>
     </p:custDataLst>
   </p:cSld>
   <p:clrMapOvr>
@@ -6588,7 +7009,7 @@
 </p:sld>
 </file>
 
-<file path=ppt/slides/slide3.xml><?xml version="1.0" encoding="utf-8"?>
+<file path=ppt/slides/slide4.xml><?xml version="1.0" encoding="utf-8"?>
 <p:sld xmlns:a="http://schemas.openxmlformats.org/drawingml/2006/main" xmlns:r="http://schemas.openxmlformats.org/officeDocument/2006/relationships" xmlns:p="http://schemas.openxmlformats.org/presentationml/2006/main">
   <p:cSld>
     <p:bg>
@@ -6647,7 +7068,7 @@
         <p:spPr>
           <a:xfrm>
             <a:off x="220980" y="1511300"/>
-            <a:ext cx="11621135" cy="3538220"/>
+            <a:ext cx="11621135" cy="4246245"/>
           </a:xfrm>
           <a:prstGeom prst="rect">
             <a:avLst/>
@@ -6660,14 +7081,14 @@
           </a:bodyPr>
           <a:p>
             <a:r>
-              <a:rPr lang="zh-CN" altLang="en-US" sz="1600">
+              <a:rPr lang="zh-CN" altLang="en-US">
                 <a:latin typeface="宋体" panose="02010600030101010101" pitchFamily="2" charset="-122"/>
                 <a:ea typeface="宋体" panose="02010600030101010101" pitchFamily="2" charset="-122"/>
                 <a:cs typeface="宋体" panose="02010600030101010101" pitchFamily="2" charset="-122"/>
               </a:rPr>
               <a:t>1.String的连接方法</a:t>
             </a:r>
-            <a:endParaRPr lang="zh-CN" altLang="en-US" sz="1600">
+            <a:endParaRPr lang="zh-CN" altLang="en-US">
               <a:latin typeface="宋体" panose="02010600030101010101" pitchFamily="2" charset="-122"/>
               <a:ea typeface="宋体" panose="02010600030101010101" pitchFamily="2" charset="-122"/>
               <a:cs typeface="宋体" panose="02010600030101010101" pitchFamily="2" charset="-122"/>
@@ -6675,21 +7096,21 @@
           </a:p>
           <a:p>
             <a:r>
-              <a:rPr lang="zh-CN" altLang="en-US" sz="1600">
+              <a:rPr lang="zh-CN" altLang="en-US">
                 <a:latin typeface="宋体" panose="02010600030101010101" pitchFamily="2" charset="-122"/>
                 <a:ea typeface="宋体" panose="02010600030101010101" pitchFamily="2" charset="-122"/>
                 <a:cs typeface="宋体" panose="02010600030101010101" pitchFamily="2" charset="-122"/>
               </a:rPr>
               <a:t>可以看出连接方式是新建了一个包含两个长度的字符数组，然后进行连接。</a:t>
             </a:r>
-            <a:endParaRPr lang="zh-CN" altLang="en-US" sz="1600">
+            <a:endParaRPr lang="zh-CN" altLang="en-US">
               <a:latin typeface="宋体" panose="02010600030101010101" pitchFamily="2" charset="-122"/>
               <a:ea typeface="宋体" panose="02010600030101010101" pitchFamily="2" charset="-122"/>
               <a:cs typeface="宋体" panose="02010600030101010101" pitchFamily="2" charset="-122"/>
             </a:endParaRPr>
           </a:p>
           <a:p>
-            <a:endParaRPr lang="zh-CN" altLang="en-US" sz="1600">
+            <a:endParaRPr lang="zh-CN" altLang="en-US">
               <a:latin typeface="宋体" panose="02010600030101010101" pitchFamily="2" charset="-122"/>
               <a:ea typeface="宋体" panose="02010600030101010101" pitchFamily="2" charset="-122"/>
               <a:cs typeface="宋体" panose="02010600030101010101" pitchFamily="2" charset="-122"/>
@@ -6697,14 +7118,14 @@
           </a:p>
           <a:p>
             <a:r>
-              <a:rPr lang="zh-CN" altLang="en-US" sz="1600">
+              <a:rPr lang="zh-CN" altLang="en-US">
                 <a:latin typeface="宋体" panose="02010600030101010101" pitchFamily="2" charset="-122"/>
                 <a:ea typeface="宋体" panose="02010600030101010101" pitchFamily="2" charset="-122"/>
                 <a:cs typeface="宋体" panose="02010600030101010101" pitchFamily="2" charset="-122"/>
               </a:rPr>
               <a:t>2.StringBuilder中存储字符串其实用的是一个char数组，capacity其实就是指定这个char数组的大小，StringBuilder的连接方法是继承AbstractStringBuilder的方法的，线程不安全的</a:t>
             </a:r>
-            <a:endParaRPr lang="zh-CN" altLang="en-US" sz="1600">
+            <a:endParaRPr lang="zh-CN" altLang="en-US">
               <a:latin typeface="宋体" panose="02010600030101010101" pitchFamily="2" charset="-122"/>
               <a:ea typeface="宋体" panose="02010600030101010101" pitchFamily="2" charset="-122"/>
               <a:cs typeface="宋体" panose="02010600030101010101" pitchFamily="2" charset="-122"/>
@@ -6712,21 +7133,21 @@
           </a:p>
           <a:p>
             <a:r>
-              <a:rPr lang="zh-CN" altLang="en-US" sz="1600">
+              <a:rPr lang="zh-CN" altLang="en-US">
                 <a:latin typeface="宋体" panose="02010600030101010101" pitchFamily="2" charset="-122"/>
                 <a:ea typeface="宋体" panose="02010600030101010101" pitchFamily="2" charset="-122"/>
                 <a:cs typeface="宋体" panose="02010600030101010101" pitchFamily="2" charset="-122"/>
               </a:rPr>
               <a:t>在append(str)函数调用的时候，首先会判断原来用于存储字符串的values的字符串数组有没有足够的大小来存储将要新添加入StringBuilder的字符串。如果不够用，那么就调用expandCapacity(int minimumCapacity)让容量翻两倍(一般是扩大两倍）</a:t>
             </a:r>
-            <a:endParaRPr lang="zh-CN" altLang="en-US" sz="1600">
+            <a:endParaRPr lang="zh-CN" altLang="en-US">
               <a:latin typeface="宋体" panose="02010600030101010101" pitchFamily="2" charset="-122"/>
               <a:ea typeface="宋体" panose="02010600030101010101" pitchFamily="2" charset="-122"/>
               <a:cs typeface="宋体" panose="02010600030101010101" pitchFamily="2" charset="-122"/>
             </a:endParaRPr>
           </a:p>
           <a:p>
-            <a:endParaRPr lang="zh-CN" altLang="en-US" sz="1600">
+            <a:endParaRPr lang="zh-CN" altLang="en-US">
               <a:latin typeface="宋体" panose="02010600030101010101" pitchFamily="2" charset="-122"/>
               <a:ea typeface="宋体" panose="02010600030101010101" pitchFamily="2" charset="-122"/>
               <a:cs typeface="宋体" panose="02010600030101010101" pitchFamily="2" charset="-122"/>
@@ -6734,21 +7155,21 @@
           </a:p>
           <a:p>
             <a:r>
-              <a:rPr lang="zh-CN" altLang="en-US" sz="1600">
+              <a:rPr lang="zh-CN" altLang="en-US">
                 <a:latin typeface="宋体" panose="02010600030101010101" pitchFamily="2" charset="-122"/>
                 <a:ea typeface="宋体" panose="02010600030101010101" pitchFamily="2" charset="-122"/>
                 <a:cs typeface="宋体" panose="02010600030101010101" pitchFamily="2" charset="-122"/>
               </a:rPr>
               <a:t>3.StringBuffer的连接方法，利用了同步（synchronized关键字），线程安全的，但这样会相对的降低速度。</a:t>
             </a:r>
-            <a:endParaRPr lang="zh-CN" altLang="en-US" sz="1600">
+            <a:endParaRPr lang="zh-CN" altLang="en-US">
               <a:latin typeface="宋体" panose="02010600030101010101" pitchFamily="2" charset="-122"/>
               <a:ea typeface="宋体" panose="02010600030101010101" pitchFamily="2" charset="-122"/>
               <a:cs typeface="宋体" panose="02010600030101010101" pitchFamily="2" charset="-122"/>
             </a:endParaRPr>
           </a:p>
           <a:p>
-            <a:endParaRPr lang="zh-CN" altLang="en-US" sz="1600">
+            <a:endParaRPr lang="zh-CN" altLang="en-US">
               <a:latin typeface="宋体" panose="02010600030101010101" pitchFamily="2" charset="-122"/>
               <a:ea typeface="宋体" panose="02010600030101010101" pitchFamily="2" charset="-122"/>
               <a:cs typeface="宋体" panose="02010600030101010101" pitchFamily="2" charset="-122"/>
@@ -6756,14 +7177,14 @@
           </a:p>
           <a:p>
             <a:r>
-              <a:rPr lang="zh-CN" altLang="en-US" sz="1600">
+              <a:rPr lang="zh-CN" altLang="en-US">
                 <a:latin typeface="宋体" panose="02010600030101010101" pitchFamily="2" charset="-122"/>
                 <a:ea typeface="宋体" panose="02010600030101010101" pitchFamily="2" charset="-122"/>
                 <a:cs typeface="宋体" panose="02010600030101010101" pitchFamily="2" charset="-122"/>
               </a:rPr>
               <a:t>4.“+”号拼接</a:t>
             </a:r>
-            <a:endParaRPr lang="zh-CN" altLang="en-US" sz="1600">
+            <a:endParaRPr lang="zh-CN" altLang="en-US">
               <a:latin typeface="宋体" panose="02010600030101010101" pitchFamily="2" charset="-122"/>
               <a:ea typeface="宋体" panose="02010600030101010101" pitchFamily="2" charset="-122"/>
               <a:cs typeface="宋体" panose="02010600030101010101" pitchFamily="2" charset="-122"/>
@@ -6771,14 +7192,14 @@
           </a:p>
           <a:p>
             <a:r>
-              <a:rPr lang="zh-CN" altLang="en-US" sz="1600">
+              <a:rPr lang="zh-CN" altLang="en-US">
                 <a:latin typeface="宋体" panose="02010600030101010101" pitchFamily="2" charset="-122"/>
                 <a:ea typeface="宋体" panose="02010600030101010101" pitchFamily="2" charset="-122"/>
                 <a:cs typeface="宋体" panose="02010600030101010101" pitchFamily="2" charset="-122"/>
               </a:rPr>
               <a:t>利用+进行拼接的时候会将+号的拼接方式变换成StringBuilder的append方式，也就是说每次利用+会建立一个StringBuilder。因此，在循环内部意味着每执行一次循环，就会创建一个StringBuilder对象。因此循环里面不要用+号，在循环外面建立一个StringBuilder或StirngBuffer。</a:t>
             </a:r>
-            <a:endParaRPr lang="zh-CN" altLang="en-US" sz="1600">
+            <a:endParaRPr lang="zh-CN" altLang="en-US">
               <a:latin typeface="宋体" panose="02010600030101010101" pitchFamily="2" charset="-122"/>
               <a:ea typeface="宋体" panose="02010600030101010101" pitchFamily="2" charset="-122"/>
               <a:cs typeface="宋体" panose="02010600030101010101" pitchFamily="2" charset="-122"/>
@@ -6786,9 +7207,33 @@
           </a:p>
         </p:txBody>
       </p:sp>
+      <p:pic>
+        <p:nvPicPr>
+          <p:cNvPr id="5" name="图片 4"/>
+          <p:cNvPicPr>
+            <a:picLocks noChangeAspect="1"/>
+          </p:cNvPicPr>
+          <p:nvPr/>
+        </p:nvPicPr>
+        <p:blipFill>
+          <a:blip r:embed="rId2"/>
+          <a:stretch>
+            <a:fillRect/>
+          </a:stretch>
+        </p:blipFill>
+        <p:spPr>
+          <a:xfrm>
+            <a:off x="8743315" y="5757545"/>
+            <a:ext cx="3098800" cy="717550"/>
+          </a:xfrm>
+          <a:prstGeom prst="rect">
+            <a:avLst/>
+          </a:prstGeom>
+        </p:spPr>
+      </p:pic>
     </p:spTree>
     <p:custDataLst>
-      <p:tags r:id="rId2"/>
+      <p:tags r:id="rId3"/>
     </p:custDataLst>
   </p:cSld>
   <p:clrMapOvr>
@@ -6797,7 +7242,7 @@
 </p:sld>
 </file>
 
-<file path=ppt/slides/slide4.xml><?xml version="1.0" encoding="utf-8"?>
+<file path=ppt/slides/slide5.xml><?xml version="1.0" encoding="utf-8"?>
 <p:sld xmlns:a="http://schemas.openxmlformats.org/drawingml/2006/main" xmlns:r="http://schemas.openxmlformats.org/officeDocument/2006/relationships" xmlns:p="http://schemas.openxmlformats.org/presentationml/2006/main">
   <p:cSld>
     <p:bg>
@@ -6842,6 +7287,275 @@
           </a:prstGeom>
         </p:spPr>
       </p:pic>
+      <p:sp>
+        <p:nvSpPr>
+          <p:cNvPr id="2" name="文本框 1"/>
+          <p:cNvSpPr txBox="1"/>
+          <p:nvPr/>
+        </p:nvSpPr>
+        <p:spPr>
+          <a:xfrm>
+            <a:off x="4666615" y="751840"/>
+            <a:ext cx="7336155" cy="5354320"/>
+          </a:xfrm>
+          <a:prstGeom prst="rect">
+            <a:avLst/>
+          </a:prstGeom>
+          <a:noFill/>
+        </p:spPr>
+        <p:txBody>
+          <a:bodyPr wrap="square" rtlCol="0">
+            <a:spAutoFit/>
+          </a:bodyPr>
+          <a:p>
+            <a:r>
+              <a:rPr lang="zh-CN" altLang="en-US">
+                <a:latin typeface="宋体" panose="02010600030101010101" pitchFamily="2" charset="-122"/>
+                <a:ea typeface="宋体" panose="02010600030101010101" pitchFamily="2" charset="-122"/>
+                <a:cs typeface="宋体" panose="02010600030101010101" pitchFamily="2" charset="-122"/>
+              </a:rPr>
+              <a:t>由于字符串拼接太常用了，java支持可以直接用+号对两个字符串进行拼接。其真正实现的原理是中间通过建立临时的StringBuilder对象，然后调用append方法实现。</a:t>
+            </a:r>
+            <a:endParaRPr lang="zh-CN" altLang="en-US">
+              <a:latin typeface="宋体" panose="02010600030101010101" pitchFamily="2" charset="-122"/>
+              <a:ea typeface="宋体" panose="02010600030101010101" pitchFamily="2" charset="-122"/>
+              <a:cs typeface="宋体" panose="02010600030101010101" pitchFamily="2" charset="-122"/>
+            </a:endParaRPr>
+          </a:p>
+          <a:p>
+            <a:endParaRPr lang="zh-CN" altLang="en-US">
+              <a:latin typeface="宋体" panose="02010600030101010101" pitchFamily="2" charset="-122"/>
+              <a:ea typeface="宋体" panose="02010600030101010101" pitchFamily="2" charset="-122"/>
+              <a:cs typeface="宋体" panose="02010600030101010101" pitchFamily="2" charset="-122"/>
+            </a:endParaRPr>
+          </a:p>
+          <a:p>
+            <a:r>
+              <a:rPr lang="zh-CN" altLang="en-US">
+                <a:latin typeface="宋体" panose="02010600030101010101" pitchFamily="2" charset="-122"/>
+                <a:ea typeface="宋体" panose="02010600030101010101" pitchFamily="2" charset="-122"/>
+                <a:cs typeface="宋体" panose="02010600030101010101" pitchFamily="2" charset="-122"/>
+              </a:rPr>
+              <a:t>StringBuilder中存储字符串其实用的是一个char数组，capacity其实就是指定这个char数组的大小，StringBuilder的连接方法是继承AbstractStringBuilder的方法的，线程不安全的。</a:t>
+            </a:r>
+            <a:endParaRPr lang="zh-CN" altLang="en-US">
+              <a:latin typeface="宋体" panose="02010600030101010101" pitchFamily="2" charset="-122"/>
+              <a:ea typeface="宋体" panose="02010600030101010101" pitchFamily="2" charset="-122"/>
+              <a:cs typeface="宋体" panose="02010600030101010101" pitchFamily="2" charset="-122"/>
+            </a:endParaRPr>
+          </a:p>
+          <a:p>
+            <a:r>
+              <a:rPr lang="zh-CN" altLang="en-US">
+                <a:latin typeface="宋体" panose="02010600030101010101" pitchFamily="2" charset="-122"/>
+                <a:ea typeface="宋体" panose="02010600030101010101" pitchFamily="2" charset="-122"/>
+                <a:cs typeface="宋体" panose="02010600030101010101" pitchFamily="2" charset="-122"/>
+              </a:rPr>
+              <a:t>在append(str)函数调用的时候，首先会判断原来用于存储字符串的values的字符串数组有没有足够的大小来存储将要新添加入StringBuilder的字符串。如果不够用，那么就调用expandCapacity(int minimumCapacity)让容量翻两倍(一般是扩大两倍）</a:t>
+            </a:r>
+            <a:endParaRPr lang="zh-CN" altLang="en-US">
+              <a:latin typeface="宋体" panose="02010600030101010101" pitchFamily="2" charset="-122"/>
+              <a:ea typeface="宋体" panose="02010600030101010101" pitchFamily="2" charset="-122"/>
+              <a:cs typeface="宋体" panose="02010600030101010101" pitchFamily="2" charset="-122"/>
+            </a:endParaRPr>
+          </a:p>
+          <a:p>
+            <a:endParaRPr lang="zh-CN" altLang="en-US"/>
+          </a:p>
+          <a:p>
+            <a:endParaRPr lang="zh-CN" altLang="en-US"/>
+          </a:p>
+          <a:p>
+            <a:r>
+              <a:rPr lang="en-US" altLang="zh-CN" b="1">
+                <a:solidFill>
+                  <a:srgbClr val="FF0000"/>
+                </a:solidFill>
+                <a:sym typeface="+mn-ea"/>
+              </a:rPr>
+              <a:t>+ </a:t>
+            </a:r>
+            <a:r>
+              <a:rPr lang="zh-CN" altLang="en-US" b="1">
+                <a:solidFill>
+                  <a:srgbClr val="FF0000"/>
+                </a:solidFill>
+                <a:sym typeface="+mn-ea"/>
+              </a:rPr>
+              <a:t>底层是转化成 </a:t>
+            </a:r>
+            <a:r>
+              <a:rPr lang="en-US" altLang="zh-CN" b="1">
+                <a:solidFill>
+                  <a:srgbClr val="FF0000"/>
+                </a:solidFill>
+                <a:sym typeface="+mn-ea"/>
+              </a:rPr>
+              <a:t>StringBuilder </a:t>
+            </a:r>
+            <a:r>
+              <a:rPr lang="zh-CN" altLang="en-US" b="1">
+                <a:solidFill>
+                  <a:srgbClr val="FF0000"/>
+                </a:solidFill>
+                <a:sym typeface="+mn-ea"/>
+              </a:rPr>
+              <a:t>进行 </a:t>
+            </a:r>
+            <a:r>
+              <a:rPr lang="en-US" altLang="zh-CN" b="1">
+                <a:solidFill>
+                  <a:srgbClr val="FF0000"/>
+                </a:solidFill>
+                <a:sym typeface="+mn-ea"/>
+              </a:rPr>
+              <a:t>append</a:t>
+            </a:r>
+            <a:r>
+              <a:rPr lang="zh-CN" altLang="en-US" b="1">
+                <a:solidFill>
+                  <a:srgbClr val="FF0000"/>
+                </a:solidFill>
+                <a:sym typeface="+mn-ea"/>
+              </a:rPr>
+              <a:t>，每 </a:t>
+            </a:r>
+            <a:r>
+              <a:rPr lang="en-US" altLang="zh-CN" b="1">
+                <a:solidFill>
+                  <a:srgbClr val="FF0000"/>
+                </a:solidFill>
+                <a:sym typeface="+mn-ea"/>
+              </a:rPr>
+              <a:t>+ </a:t>
+            </a:r>
+            <a:r>
+              <a:rPr lang="zh-CN" altLang="en-US" b="1">
+                <a:solidFill>
+                  <a:srgbClr val="FF0000"/>
+                </a:solidFill>
+                <a:sym typeface="+mn-ea"/>
+              </a:rPr>
+              <a:t>一次就会创建一个 </a:t>
+            </a:r>
+            <a:r>
+              <a:rPr lang="en-US" altLang="zh-CN" b="1">
+                <a:solidFill>
+                  <a:srgbClr val="FF0000"/>
+                </a:solidFill>
+                <a:sym typeface="+mn-ea"/>
+              </a:rPr>
+              <a:t>StringBuilder </a:t>
+            </a:r>
+            <a:r>
+              <a:rPr lang="zh-CN" altLang="en-US" b="1">
+                <a:solidFill>
+                  <a:srgbClr val="FF0000"/>
+                </a:solidFill>
+                <a:sym typeface="+mn-ea"/>
+              </a:rPr>
+              <a:t>对象，性能最差。</a:t>
+            </a:r>
+            <a:endParaRPr lang="zh-CN" altLang="en-US" b="1">
+              <a:solidFill>
+                <a:srgbClr val="FF0000"/>
+              </a:solidFill>
+            </a:endParaRPr>
+          </a:p>
+          <a:p>
+            <a:endParaRPr lang="zh-CN" altLang="en-US" b="1">
+              <a:solidFill>
+                <a:srgbClr val="FF0000"/>
+              </a:solidFill>
+            </a:endParaRPr>
+          </a:p>
+          <a:p>
+            <a:r>
+              <a:rPr lang="en-US" altLang="zh-CN" b="1">
+                <a:solidFill>
+                  <a:srgbClr val="FF0000"/>
+                </a:solidFill>
+                <a:sym typeface="+mn-ea"/>
+              </a:rPr>
+              <a:t>concat</a:t>
+            </a:r>
+            <a:r>
+              <a:rPr lang="zh-CN" altLang="en-US" b="1">
+                <a:solidFill>
+                  <a:srgbClr val="FF0000"/>
+                </a:solidFill>
+                <a:sym typeface="+mn-ea"/>
+              </a:rPr>
+              <a:t> 会创建一个新的字符串来存储新串。</a:t>
+            </a:r>
+            <a:endParaRPr lang="zh-CN" altLang="en-US" b="1">
+              <a:solidFill>
+                <a:srgbClr val="FF0000"/>
+              </a:solidFill>
+            </a:endParaRPr>
+          </a:p>
+          <a:p>
+            <a:endParaRPr lang="zh-CN" altLang="en-US" b="1">
+              <a:solidFill>
+                <a:srgbClr val="FF0000"/>
+              </a:solidFill>
+            </a:endParaRPr>
+          </a:p>
+          <a:p>
+            <a:r>
+              <a:rPr lang="zh-CN" altLang="en-US" b="1">
+                <a:solidFill>
+                  <a:srgbClr val="FF0000"/>
+                </a:solidFill>
+                <a:sym typeface="+mn-ea"/>
+              </a:rPr>
+              <a:t>StringBuilder</a:t>
+            </a:r>
+            <a:r>
+              <a:rPr lang="en-US" altLang="zh-CN" b="1">
+                <a:solidFill>
+                  <a:srgbClr val="FF0000"/>
+                </a:solidFill>
+                <a:sym typeface="+mn-ea"/>
+              </a:rPr>
+              <a:t>/</a:t>
+            </a:r>
+            <a:r>
+              <a:rPr lang="zh-CN" altLang="en-US" b="1">
+                <a:solidFill>
+                  <a:srgbClr val="FF0000"/>
+                </a:solidFill>
+                <a:sym typeface="+mn-ea"/>
+              </a:rPr>
+              <a:t>StringB</a:t>
+            </a:r>
+            <a:r>
+              <a:rPr lang="en-US" altLang="zh-CN" b="1">
+                <a:solidFill>
+                  <a:srgbClr val="FF0000"/>
+                </a:solidFill>
+                <a:sym typeface="+mn-ea"/>
+              </a:rPr>
+              <a:t>uffer</a:t>
+            </a:r>
+            <a:r>
+              <a:rPr lang="zh-CN" altLang="en-US" b="1">
+                <a:solidFill>
+                  <a:srgbClr val="FF0000"/>
+                </a:solidFill>
+                <a:sym typeface="+mn-ea"/>
+              </a:rPr>
+              <a:t> 是使用变长char数组实现，不会新增对象。</a:t>
+            </a:r>
+            <a:endParaRPr lang="zh-CN" altLang="en-US" b="1">
+              <a:solidFill>
+                <a:srgbClr val="FF0000"/>
+              </a:solidFill>
+              <a:sym typeface="+mn-ea"/>
+            </a:endParaRPr>
+          </a:p>
+        </p:txBody>
+      </p:sp>
     </p:spTree>
     <p:custDataLst>
       <p:tags r:id="rId3"/>
@@ -6853,7 +7567,7 @@
 </p:sld>
 </file>
 
-<file path=ppt/slides/slide5.xml><?xml version="1.0" encoding="utf-8"?>
+<file path=ppt/slides/slide6.xml><?xml version="1.0" encoding="utf-8"?>
 <p:sld xmlns:a="http://schemas.openxmlformats.org/drawingml/2006/main" xmlns:r="http://schemas.openxmlformats.org/officeDocument/2006/relationships" xmlns:p="http://schemas.openxmlformats.org/presentationml/2006/main">
   <p:cSld>
     <p:bg>
@@ -6942,7 +7656,7 @@
 </p:sld>
 </file>
 
-<file path=ppt/slides/slide6.xml><?xml version="1.0" encoding="utf-8"?>
+<file path=ppt/slides/slide7.xml><?xml version="1.0" encoding="utf-8"?>
 <p:sld xmlns:a="http://schemas.openxmlformats.org/drawingml/2006/main" xmlns:r="http://schemas.openxmlformats.org/officeDocument/2006/relationships" xmlns:p="http://schemas.openxmlformats.org/presentationml/2006/main">
   <p:cSld>
     <p:bg>
@@ -6998,7 +7712,7 @@
 </p:sld>
 </file>
 
-<file path=ppt/slides/slide7.xml><?xml version="1.0" encoding="utf-8"?>
+<file path=ppt/slides/slide8.xml><?xml version="1.0" encoding="utf-8"?>
 <p:sld xmlns:a="http://schemas.openxmlformats.org/drawingml/2006/main" xmlns:r="http://schemas.openxmlformats.org/officeDocument/2006/relationships" xmlns:p="http://schemas.openxmlformats.org/presentationml/2006/main">
   <p:cSld>
     <p:bg>
@@ -7054,7 +7768,7 @@
 </p:sld>
 </file>
 
-<file path=ppt/slides/slide8.xml><?xml version="1.0" encoding="utf-8"?>
+<file path=ppt/slides/slide9.xml><?xml version="1.0" encoding="utf-8"?>
 <p:sld xmlns:a="http://schemas.openxmlformats.org/drawingml/2006/main" xmlns:r="http://schemas.openxmlformats.org/officeDocument/2006/relationships" xmlns:p="http://schemas.openxmlformats.org/presentationml/2006/main">
   <p:cSld>
     <p:bg>
@@ -7428,238 +8142,6 @@
 </p:sld>
 </file>
 
-<file path=ppt/slides/slide9.xml><?xml version="1.0" encoding="utf-8"?>
-<p:sld xmlns:a="http://schemas.openxmlformats.org/drawingml/2006/main" xmlns:r="http://schemas.openxmlformats.org/officeDocument/2006/relationships" xmlns:p="http://schemas.openxmlformats.org/presentationml/2006/main">
-  <p:cSld>
-    <p:bg>
-      <p:bgPr>
-        <a:blipFill rotWithShape="1">
-          <a:blip r:embed="rId1"/>
-          <a:stretch>
-            <a:fillRect/>
-          </a:stretch>
-        </a:blipFill>
-        <a:effectLst/>
-      </p:bgPr>
-    </p:bg>
-    <p:spTree>
-      <p:nvGrpSpPr>
-        <p:cNvPr id="1" name=""/>
-        <p:cNvGrpSpPr/>
-        <p:nvPr/>
-      </p:nvGrpSpPr>
-      <p:grpSpPr/>
-      <p:sp>
-        <p:nvSpPr>
-          <p:cNvPr id="4" name="文本框 3"/>
-          <p:cNvSpPr txBox="1"/>
-          <p:nvPr/>
-        </p:nvSpPr>
-        <p:spPr>
-          <a:xfrm>
-            <a:off x="4173220" y="701040"/>
-            <a:ext cx="4699635" cy="583565"/>
-          </a:xfrm>
-          <a:prstGeom prst="rect">
-            <a:avLst/>
-          </a:prstGeom>
-          <a:noFill/>
-        </p:spPr>
-        <p:txBody>
-          <a:bodyPr wrap="square" rtlCol="0">
-            <a:spAutoFit/>
-          </a:bodyPr>
-          <a:p>
-            <a:r>
-              <a:rPr lang="zh-CN" altLang="en-US" sz="3200"/>
-              <a:t>UUID 生成</a:t>
-            </a:r>
-            <a:endParaRPr lang="zh-CN" altLang="en-US" sz="3200"/>
-          </a:p>
-        </p:txBody>
-      </p:sp>
-      <p:sp>
-        <p:nvSpPr>
-          <p:cNvPr id="3" name="文本框 2"/>
-          <p:cNvSpPr txBox="1"/>
-          <p:nvPr/>
-        </p:nvSpPr>
-        <p:spPr>
-          <a:xfrm>
-            <a:off x="367030" y="1356360"/>
-            <a:ext cx="11421110" cy="3784600"/>
-          </a:xfrm>
-          <a:prstGeom prst="rect">
-            <a:avLst/>
-          </a:prstGeom>
-          <a:noFill/>
-        </p:spPr>
-        <p:txBody>
-          <a:bodyPr wrap="square" rtlCol="0">
-            <a:spAutoFit/>
-          </a:bodyPr>
-          <a:p>
-            <a:r>
-              <a:rPr lang="zh-CN" altLang="en-US" sz="1600">
-                <a:latin typeface="宋体" panose="02010600030101010101" pitchFamily="2" charset="-122"/>
-                <a:ea typeface="宋体" panose="02010600030101010101" pitchFamily="2" charset="-122"/>
-                <a:cs typeface="宋体" panose="02010600030101010101" pitchFamily="2" charset="-122"/>
-              </a:rPr>
-              <a:t>UUID是1.5中新增的一个类，在java.util下，用它可以产生一个号称全球唯一的ID</a:t>
-            </a:r>
-            <a:endParaRPr lang="zh-CN" altLang="en-US" sz="1600">
-              <a:latin typeface="宋体" panose="02010600030101010101" pitchFamily="2" charset="-122"/>
-              <a:ea typeface="宋体" panose="02010600030101010101" pitchFamily="2" charset="-122"/>
-              <a:cs typeface="宋体" panose="02010600030101010101" pitchFamily="2" charset="-122"/>
-            </a:endParaRPr>
-          </a:p>
-          <a:p>
-            <a:endParaRPr lang="zh-CN" altLang="en-US" sz="1600">
-              <a:latin typeface="宋体" panose="02010600030101010101" pitchFamily="2" charset="-122"/>
-              <a:ea typeface="宋体" panose="02010600030101010101" pitchFamily="2" charset="-122"/>
-              <a:cs typeface="宋体" panose="02010600030101010101" pitchFamily="2" charset="-122"/>
-            </a:endParaRPr>
-          </a:p>
-          <a:p>
-            <a:r>
-              <a:rPr lang="zh-CN" altLang="en-US" sz="1600">
-                <a:latin typeface="宋体" panose="02010600030101010101" pitchFamily="2" charset="-122"/>
-                <a:ea typeface="宋体" panose="02010600030101010101" pitchFamily="2" charset="-122"/>
-                <a:cs typeface="宋体" panose="02010600030101010101" pitchFamily="2" charset="-122"/>
-              </a:rPr>
-              <a:t>UUID(Universally Unique Identifier)全局唯一标识符,是指在一台机器上生成的数字，它保证对在同一时空中的所有机器都是唯一的。按照开放软件基金会(OSF)制定的标准计算，用到了以太网卡地址、纳秒级时间、芯片ID码和许多可能的数字。由以下几部分的组合：当前日期和时间(UUID的第一个部分与时间有关，如果你在生成一个UUID之后，过几秒又生成一个UUID，则第一个部分不同，其余相同)，时钟序列，全局唯一的IEEE机器识别号（如果有网卡，从网卡获得，没有网卡以其他方式获得），UUID的唯一缺陷在于生成的结果串会比较长。</a:t>
-            </a:r>
-            <a:endParaRPr lang="zh-CN" altLang="en-US" sz="1600">
-              <a:latin typeface="宋体" panose="02010600030101010101" pitchFamily="2" charset="-122"/>
-              <a:ea typeface="宋体" panose="02010600030101010101" pitchFamily="2" charset="-122"/>
-              <a:cs typeface="宋体" panose="02010600030101010101" pitchFamily="2" charset="-122"/>
-            </a:endParaRPr>
-          </a:p>
-          <a:p>
-            <a:r>
-              <a:rPr lang="zh-CN" altLang="en-US" sz="1600">
-                <a:latin typeface="宋体" panose="02010600030101010101" pitchFamily="2" charset="-122"/>
-                <a:ea typeface="宋体" panose="02010600030101010101" pitchFamily="2" charset="-122"/>
-                <a:cs typeface="宋体" panose="02010600030101010101" pitchFamily="2" charset="-122"/>
-              </a:rPr>
-              <a:t>在Java中生成UUID主要有以下几种方式:</a:t>
-            </a:r>
-            <a:endParaRPr lang="zh-CN" altLang="en-US" sz="1600">
-              <a:latin typeface="宋体" panose="02010600030101010101" pitchFamily="2" charset="-122"/>
-              <a:ea typeface="宋体" panose="02010600030101010101" pitchFamily="2" charset="-122"/>
-              <a:cs typeface="宋体" panose="02010600030101010101" pitchFamily="2" charset="-122"/>
-            </a:endParaRPr>
-          </a:p>
-          <a:p>
-            <a:r>
-              <a:rPr lang="zh-CN" altLang="en-US" sz="1600">
-                <a:latin typeface="宋体" panose="02010600030101010101" pitchFamily="2" charset="-122"/>
-                <a:ea typeface="宋体" panose="02010600030101010101" pitchFamily="2" charset="-122"/>
-                <a:cs typeface="宋体" panose="02010600030101010101" pitchFamily="2" charset="-122"/>
-              </a:rPr>
-              <a:t>JDK1.5</a:t>
-            </a:r>
-            <a:endParaRPr lang="zh-CN" altLang="en-US" sz="1600">
-              <a:latin typeface="宋体" panose="02010600030101010101" pitchFamily="2" charset="-122"/>
-              <a:ea typeface="宋体" panose="02010600030101010101" pitchFamily="2" charset="-122"/>
-              <a:cs typeface="宋体" panose="02010600030101010101" pitchFamily="2" charset="-122"/>
-            </a:endParaRPr>
-          </a:p>
-          <a:p>
-            <a:r>
-              <a:rPr lang="zh-CN" altLang="en-US" sz="1600">
-                <a:latin typeface="宋体" panose="02010600030101010101" pitchFamily="2" charset="-122"/>
-                <a:ea typeface="宋体" panose="02010600030101010101" pitchFamily="2" charset="-122"/>
-                <a:cs typeface="宋体" panose="02010600030101010101" pitchFamily="2" charset="-122"/>
-              </a:rPr>
-              <a:t>如果使用的JDK1.5的话,那么生成UUID变成了一件简单的事,以为JDK实现了UUID:</a:t>
-            </a:r>
-            <a:endParaRPr lang="zh-CN" altLang="en-US" sz="1600">
-              <a:latin typeface="宋体" panose="02010600030101010101" pitchFamily="2" charset="-122"/>
-              <a:ea typeface="宋体" panose="02010600030101010101" pitchFamily="2" charset="-122"/>
-              <a:cs typeface="宋体" panose="02010600030101010101" pitchFamily="2" charset="-122"/>
-            </a:endParaRPr>
-          </a:p>
-          <a:p>
-            <a:r>
-              <a:rPr lang="zh-CN" altLang="en-US" sz="1600">
-                <a:latin typeface="宋体" panose="02010600030101010101" pitchFamily="2" charset="-122"/>
-                <a:ea typeface="宋体" panose="02010600030101010101" pitchFamily="2" charset="-122"/>
-                <a:cs typeface="宋体" panose="02010600030101010101" pitchFamily="2" charset="-122"/>
-              </a:rPr>
-              <a:t>java.util.UUID,直接调用即可.</a:t>
-            </a:r>
-            <a:endParaRPr lang="zh-CN" altLang="en-US" sz="1600">
-              <a:latin typeface="宋体" panose="02010600030101010101" pitchFamily="2" charset="-122"/>
-              <a:ea typeface="宋体" panose="02010600030101010101" pitchFamily="2" charset="-122"/>
-              <a:cs typeface="宋体" panose="02010600030101010101" pitchFamily="2" charset="-122"/>
-            </a:endParaRPr>
-          </a:p>
-          <a:p>
-            <a:endParaRPr lang="zh-CN" altLang="en-US" sz="1600">
-              <a:latin typeface="宋体" panose="02010600030101010101" pitchFamily="2" charset="-122"/>
-              <a:ea typeface="宋体" panose="02010600030101010101" pitchFamily="2" charset="-122"/>
-              <a:cs typeface="宋体" panose="02010600030101010101" pitchFamily="2" charset="-122"/>
-            </a:endParaRPr>
-          </a:p>
-          <a:p>
-            <a:r>
-              <a:rPr lang="zh-CN" altLang="en-US" sz="1600">
-                <a:latin typeface="宋体" panose="02010600030101010101" pitchFamily="2" charset="-122"/>
-                <a:ea typeface="宋体" panose="02010600030101010101" pitchFamily="2" charset="-122"/>
-                <a:cs typeface="宋体" panose="02010600030101010101" pitchFamily="2" charset="-122"/>
-              </a:rPr>
-              <a:t>UUID uuid = UUID.randomUUID();</a:t>
-            </a:r>
-            <a:endParaRPr lang="zh-CN" altLang="en-US" sz="1600">
-              <a:latin typeface="宋体" panose="02010600030101010101" pitchFamily="2" charset="-122"/>
-              <a:ea typeface="宋体" panose="02010600030101010101" pitchFamily="2" charset="-122"/>
-              <a:cs typeface="宋体" panose="02010600030101010101" pitchFamily="2" charset="-122"/>
-            </a:endParaRPr>
-          </a:p>
-          <a:p>
-            <a:r>
-              <a:rPr lang="zh-CN" altLang="en-US" sz="1600">
-                <a:latin typeface="宋体" panose="02010600030101010101" pitchFamily="2" charset="-122"/>
-                <a:ea typeface="宋体" panose="02010600030101010101" pitchFamily="2" charset="-122"/>
-                <a:cs typeface="宋体" panose="02010600030101010101" pitchFamily="2" charset="-122"/>
-              </a:rPr>
-              <a:t>String s = UUID.randomUUID().toString(); //用来生成数据库的主键id非常不错。。</a:t>
-            </a:r>
-            <a:endParaRPr lang="zh-CN" altLang="en-US" sz="1600">
-              <a:latin typeface="宋体" panose="02010600030101010101" pitchFamily="2" charset="-122"/>
-              <a:ea typeface="宋体" panose="02010600030101010101" pitchFamily="2" charset="-122"/>
-              <a:cs typeface="宋体" panose="02010600030101010101" pitchFamily="2" charset="-122"/>
-            </a:endParaRPr>
-          </a:p>
-          <a:p>
-            <a:r>
-              <a:rPr lang="zh-CN" altLang="en-US" sz="1600">
-                <a:latin typeface="宋体" panose="02010600030101010101" pitchFamily="2" charset="-122"/>
-                <a:ea typeface="宋体" panose="02010600030101010101" pitchFamily="2" charset="-122"/>
-                <a:cs typeface="宋体" panose="02010600030101010101" pitchFamily="2" charset="-122"/>
-              </a:rPr>
-              <a:t> </a:t>
-            </a:r>
-            <a:endParaRPr lang="zh-CN" altLang="en-US" sz="1600">
-              <a:latin typeface="宋体" panose="02010600030101010101" pitchFamily="2" charset="-122"/>
-              <a:ea typeface="宋体" panose="02010600030101010101" pitchFamily="2" charset="-122"/>
-              <a:cs typeface="宋体" panose="02010600030101010101" pitchFamily="2" charset="-122"/>
-            </a:endParaRPr>
-          </a:p>
-        </p:txBody>
-      </p:sp>
-    </p:spTree>
-    <p:custDataLst>
-      <p:tags r:id="rId2"/>
-    </p:custDataLst>
-  </p:cSld>
-  <p:clrMapOvr>
-    <a:masterClrMapping/>
-  </p:clrMapOvr>
-</p:sld>
-</file>
-
 <file path=ppt/tags/tag1.xml><?xml version="1.0" encoding="utf-8"?>
 <p:tagLst xmlns:p="http://schemas.openxmlformats.org/presentationml/2006/main">
   <p:tag name="KSO_WM_UNIT_HIGHLIGHT" val="0"/>
@@ -8761,6 +9243,15 @@
 </file>
 
 <file path=ppt/tags/tag88.xml><?xml version="1.0" encoding="utf-8"?>
+<p:tagLst xmlns:p="http://schemas.openxmlformats.org/presentationml/2006/main">
+  <p:tag name="KSO_WM_BEAUTIFY_FLAG" val="#wm#"/>
+  <p:tag name="KSO_WM_TEMPLATE_CATEGORY" val="custom"/>
+  <p:tag name="KSO_WM_TEMPLATE_INDEX" val="20203858"/>
+  <p:tag name="KSO_WM_SPECIAL_SOURCE" val="bdnull"/>
+</p:tagLst>
+</file>
+
+<file path=ppt/tags/tag89.xml><?xml version="1.0" encoding="utf-8"?>
 <p:tagLst xmlns:p="http://schemas.openxmlformats.org/presentationml/2006/main">
   <p:tag name="KSO_WM_BEAUTIFY_FLAG" val="#wm#"/>
   <p:tag name="KSO_WM_TEMPLATE_CATEGORY" val="custom"/>

--- a/基础PPT/第4章：Java字符串详解.pptx
+++ b/基础PPT/第4章：Java字符串详解.pptx
@@ -5,7 +5,7 @@
     <p:sldMasterId id="2147483648" r:id="rId1"/>
   </p:sldMasterIdLst>
   <p:notesMasterIdLst>
-    <p:notesMasterId r:id="rId15"/>
+    <p:notesMasterId r:id="rId16"/>
   </p:notesMasterIdLst>
   <p:sldIdLst>
     <p:sldId id="660" r:id="rId3"/>
@@ -13,13 +13,14 @@
     <p:sldId id="680" r:id="rId5"/>
     <p:sldId id="663" r:id="rId6"/>
     <p:sldId id="664" r:id="rId7"/>
-    <p:sldId id="665" r:id="rId8"/>
-    <p:sldId id="666" r:id="rId9"/>
-    <p:sldId id="667" r:id="rId10"/>
-    <p:sldId id="668" r:id="rId11"/>
-    <p:sldId id="669" r:id="rId12"/>
-    <p:sldId id="678" r:id="rId13"/>
-    <p:sldId id="662" r:id="rId14"/>
+    <p:sldId id="690" r:id="rId8"/>
+    <p:sldId id="665" r:id="rId9"/>
+    <p:sldId id="666" r:id="rId10"/>
+    <p:sldId id="667" r:id="rId11"/>
+    <p:sldId id="668" r:id="rId12"/>
+    <p:sldId id="669" r:id="rId13"/>
+    <p:sldId id="678" r:id="rId14"/>
+    <p:sldId id="662" r:id="rId15"/>
   </p:sldIdLst>
   <p:sldSz cx="12192000" cy="6858000"/>
   <p:notesSz cx="6858000" cy="9144000"/>
@@ -6358,6 +6359,380 @@
       <p:grpSpPr/>
       <p:sp>
         <p:nvSpPr>
+          <p:cNvPr id="2" name="文本框 1"/>
+          <p:cNvSpPr txBox="1"/>
+          <p:nvPr/>
+        </p:nvSpPr>
+        <p:spPr>
+          <a:xfrm>
+            <a:off x="247650" y="1459865"/>
+            <a:ext cx="11639550" cy="4523105"/>
+          </a:xfrm>
+          <a:prstGeom prst="rect">
+            <a:avLst/>
+          </a:prstGeom>
+          <a:noFill/>
+        </p:spPr>
+        <p:txBody>
+          <a:bodyPr wrap="square" rtlCol="0">
+            <a:spAutoFit/>
+          </a:bodyPr>
+          <a:p>
+            <a:r>
+              <a:rPr lang="zh-CN" altLang="en-US" sz="1600">
+                <a:latin typeface="宋体" panose="02010600030101010101" pitchFamily="2" charset="-122"/>
+                <a:ea typeface="宋体" panose="02010600030101010101" pitchFamily="2" charset="-122"/>
+                <a:cs typeface="宋体" panose="02010600030101010101" pitchFamily="2" charset="-122"/>
+              </a:rPr>
+              <a:t>'b':将参数格式化为boolean类型输出，'B'的效果相同,但结果中字母为大写。false</a:t>
+            </a:r>
+            <a:endParaRPr lang="zh-CN" altLang="en-US" sz="1600">
+              <a:latin typeface="宋体" panose="02010600030101010101" pitchFamily="2" charset="-122"/>
+              <a:ea typeface="宋体" panose="02010600030101010101" pitchFamily="2" charset="-122"/>
+              <a:cs typeface="宋体" panose="02010600030101010101" pitchFamily="2" charset="-122"/>
+            </a:endParaRPr>
+          </a:p>
+          <a:p>
+            <a:r>
+              <a:rPr lang="zh-CN" altLang="en-US" sz="1600">
+                <a:latin typeface="宋体" panose="02010600030101010101" pitchFamily="2" charset="-122"/>
+                <a:ea typeface="宋体" panose="02010600030101010101" pitchFamily="2" charset="-122"/>
+                <a:cs typeface="宋体" panose="02010600030101010101" pitchFamily="2" charset="-122"/>
+              </a:rPr>
+              <a:t>'h':将参数格式化为散列输出，原理：Integer.toHexString(arg.hashCode())，'H'的效果相同,但结果中字母为大写。fc42</a:t>
+            </a:r>
+            <a:endParaRPr lang="zh-CN" altLang="en-US" sz="1600">
+              <a:latin typeface="宋体" panose="02010600030101010101" pitchFamily="2" charset="-122"/>
+              <a:ea typeface="宋体" panose="02010600030101010101" pitchFamily="2" charset="-122"/>
+              <a:cs typeface="宋体" panose="02010600030101010101" pitchFamily="2" charset="-122"/>
+            </a:endParaRPr>
+          </a:p>
+          <a:p>
+            <a:r>
+              <a:rPr lang="zh-CN" altLang="en-US" sz="1600">
+                <a:latin typeface="宋体" panose="02010600030101010101" pitchFamily="2" charset="-122"/>
+                <a:ea typeface="宋体" panose="02010600030101010101" pitchFamily="2" charset="-122"/>
+                <a:cs typeface="宋体" panose="02010600030101010101" pitchFamily="2" charset="-122"/>
+              </a:rPr>
+              <a:t>'s':将参数格式化为字符串输出，如果参数实现了 Formattable接口，则调用 formatTo方法。'S'的效果相同。16</a:t>
+            </a:r>
+            <a:endParaRPr lang="zh-CN" altLang="en-US" sz="1600">
+              <a:latin typeface="宋体" panose="02010600030101010101" pitchFamily="2" charset="-122"/>
+              <a:ea typeface="宋体" panose="02010600030101010101" pitchFamily="2" charset="-122"/>
+              <a:cs typeface="宋体" panose="02010600030101010101" pitchFamily="2" charset="-122"/>
+            </a:endParaRPr>
+          </a:p>
+          <a:p>
+            <a:r>
+              <a:rPr lang="zh-CN" altLang="en-US" sz="1600">
+                <a:latin typeface="宋体" panose="02010600030101010101" pitchFamily="2" charset="-122"/>
+                <a:ea typeface="宋体" panose="02010600030101010101" pitchFamily="2" charset="-122"/>
+                <a:cs typeface="宋体" panose="02010600030101010101" pitchFamily="2" charset="-122"/>
+              </a:rPr>
+              <a:t>FormatImpl类实现了Formattable接口：我是Formattable接口的实现类</a:t>
+            </a:r>
+            <a:endParaRPr lang="zh-CN" altLang="en-US" sz="1600">
+              <a:latin typeface="宋体" panose="02010600030101010101" pitchFamily="2" charset="-122"/>
+              <a:ea typeface="宋体" panose="02010600030101010101" pitchFamily="2" charset="-122"/>
+              <a:cs typeface="宋体" panose="02010600030101010101" pitchFamily="2" charset="-122"/>
+            </a:endParaRPr>
+          </a:p>
+          <a:p>
+            <a:r>
+              <a:rPr lang="zh-CN" altLang="en-US" sz="1600">
+                <a:latin typeface="宋体" panose="02010600030101010101" pitchFamily="2" charset="-122"/>
+                <a:ea typeface="宋体" panose="02010600030101010101" pitchFamily="2" charset="-122"/>
+                <a:cs typeface="宋体" panose="02010600030101010101" pitchFamily="2" charset="-122"/>
+              </a:rPr>
+              <a:t>'c':将参数格式化为Unicode字符，'C'的效果相同。A</a:t>
+            </a:r>
+            <a:endParaRPr lang="zh-CN" altLang="en-US" sz="1600">
+              <a:latin typeface="宋体" panose="02010600030101010101" pitchFamily="2" charset="-122"/>
+              <a:ea typeface="宋体" panose="02010600030101010101" pitchFamily="2" charset="-122"/>
+              <a:cs typeface="宋体" panose="02010600030101010101" pitchFamily="2" charset="-122"/>
+            </a:endParaRPr>
+          </a:p>
+          <a:p>
+            <a:r>
+              <a:rPr lang="zh-CN" altLang="en-US" sz="1600">
+                <a:latin typeface="宋体" panose="02010600030101010101" pitchFamily="2" charset="-122"/>
+                <a:ea typeface="宋体" panose="02010600030101010101" pitchFamily="2" charset="-122"/>
+                <a:cs typeface="宋体" panose="02010600030101010101" pitchFamily="2" charset="-122"/>
+              </a:rPr>
+              <a:t>'d':将参数格式化为十进制整数。11</a:t>
+            </a:r>
+            <a:endParaRPr lang="zh-CN" altLang="en-US" sz="1600">
+              <a:latin typeface="宋体" panose="02010600030101010101" pitchFamily="2" charset="-122"/>
+              <a:ea typeface="宋体" panose="02010600030101010101" pitchFamily="2" charset="-122"/>
+              <a:cs typeface="宋体" panose="02010600030101010101" pitchFamily="2" charset="-122"/>
+            </a:endParaRPr>
+          </a:p>
+          <a:p>
+            <a:r>
+              <a:rPr lang="zh-CN" altLang="en-US" sz="1600">
+                <a:latin typeface="宋体" panose="02010600030101010101" pitchFamily="2" charset="-122"/>
+                <a:ea typeface="宋体" panose="02010600030101010101" pitchFamily="2" charset="-122"/>
+                <a:cs typeface="宋体" panose="02010600030101010101" pitchFamily="2" charset="-122"/>
+              </a:rPr>
+              <a:t>'o':将参数格式化为八进制整数。11</a:t>
+            </a:r>
+            <a:endParaRPr lang="zh-CN" altLang="en-US" sz="1600">
+              <a:latin typeface="宋体" panose="02010600030101010101" pitchFamily="2" charset="-122"/>
+              <a:ea typeface="宋体" panose="02010600030101010101" pitchFamily="2" charset="-122"/>
+              <a:cs typeface="宋体" panose="02010600030101010101" pitchFamily="2" charset="-122"/>
+            </a:endParaRPr>
+          </a:p>
+          <a:p>
+            <a:r>
+              <a:rPr lang="zh-CN" altLang="en-US" sz="1600">
+                <a:latin typeface="宋体" panose="02010600030101010101" pitchFamily="2" charset="-122"/>
+                <a:ea typeface="宋体" panose="02010600030101010101" pitchFamily="2" charset="-122"/>
+                <a:cs typeface="宋体" panose="02010600030101010101" pitchFamily="2" charset="-122"/>
+              </a:rPr>
+              <a:t>'x':将参数格式化为十六进制整数。11</a:t>
+            </a:r>
+            <a:endParaRPr lang="zh-CN" altLang="en-US" sz="1600">
+              <a:latin typeface="宋体" panose="02010600030101010101" pitchFamily="2" charset="-122"/>
+              <a:ea typeface="宋体" panose="02010600030101010101" pitchFamily="2" charset="-122"/>
+              <a:cs typeface="宋体" panose="02010600030101010101" pitchFamily="2" charset="-122"/>
+            </a:endParaRPr>
+          </a:p>
+          <a:p>
+            <a:r>
+              <a:rPr lang="zh-CN" altLang="en-US" sz="1600">
+                <a:latin typeface="宋体" panose="02010600030101010101" pitchFamily="2" charset="-122"/>
+                <a:ea typeface="宋体" panose="02010600030101010101" pitchFamily="2" charset="-122"/>
+                <a:cs typeface="宋体" panose="02010600030101010101" pitchFamily="2" charset="-122"/>
+              </a:rPr>
+              <a:t>'e':将参数格式化为科学计数法的浮点数，'E'的效果相同。1.000000E+01</a:t>
+            </a:r>
+            <a:endParaRPr lang="zh-CN" altLang="en-US" sz="1600">
+              <a:latin typeface="宋体" panose="02010600030101010101" pitchFamily="2" charset="-122"/>
+              <a:ea typeface="宋体" panose="02010600030101010101" pitchFamily="2" charset="-122"/>
+              <a:cs typeface="宋体" panose="02010600030101010101" pitchFamily="2" charset="-122"/>
+            </a:endParaRPr>
+          </a:p>
+          <a:p>
+            <a:r>
+              <a:rPr lang="zh-CN" altLang="en-US" sz="1600">
+                <a:latin typeface="宋体" panose="02010600030101010101" pitchFamily="2" charset="-122"/>
+                <a:ea typeface="宋体" panose="02010600030101010101" pitchFamily="2" charset="-122"/>
+                <a:cs typeface="宋体" panose="02010600030101010101" pitchFamily="2" charset="-122"/>
+              </a:rPr>
+              <a:t>'f':将参数格式化为十进制浮点数。10.000001</a:t>
+            </a:r>
+            <a:endParaRPr lang="zh-CN" altLang="en-US" sz="1600">
+              <a:latin typeface="宋体" panose="02010600030101010101" pitchFamily="2" charset="-122"/>
+              <a:ea typeface="宋体" panose="02010600030101010101" pitchFamily="2" charset="-122"/>
+              <a:cs typeface="宋体" panose="02010600030101010101" pitchFamily="2" charset="-122"/>
+            </a:endParaRPr>
+          </a:p>
+          <a:p>
+            <a:r>
+              <a:rPr lang="zh-CN" altLang="en-US" sz="1600">
+                <a:latin typeface="宋体" panose="02010600030101010101" pitchFamily="2" charset="-122"/>
+                <a:ea typeface="宋体" panose="02010600030101010101" pitchFamily="2" charset="-122"/>
+                <a:cs typeface="宋体" panose="02010600030101010101" pitchFamily="2" charset="-122"/>
+              </a:rPr>
+              <a:t>'g':根据具体情况，自动选择用普通表示方式还是科学计数法方式，'G'效果相同。10.01=10.0100</a:t>
+            </a:r>
+            <a:endParaRPr lang="zh-CN" altLang="en-US" sz="1600">
+              <a:latin typeface="宋体" panose="02010600030101010101" pitchFamily="2" charset="-122"/>
+              <a:ea typeface="宋体" panose="02010600030101010101" pitchFamily="2" charset="-122"/>
+              <a:cs typeface="宋体" panose="02010600030101010101" pitchFamily="2" charset="-122"/>
+            </a:endParaRPr>
+          </a:p>
+          <a:p>
+            <a:r>
+              <a:rPr lang="zh-CN" altLang="en-US" sz="1600">
+                <a:latin typeface="宋体" panose="02010600030101010101" pitchFamily="2" charset="-122"/>
+                <a:ea typeface="宋体" panose="02010600030101010101" pitchFamily="2" charset="-122"/>
+                <a:cs typeface="宋体" panose="02010600030101010101" pitchFamily="2" charset="-122"/>
+              </a:rPr>
+              <a:t>'g':根据具体情况，自动选择用普通表示方式还是科学计数法方式，'G'效果相同。10.00000000005=10.0000</a:t>
+            </a:r>
+            <a:endParaRPr lang="zh-CN" altLang="en-US" sz="1600">
+              <a:latin typeface="宋体" panose="02010600030101010101" pitchFamily="2" charset="-122"/>
+              <a:ea typeface="宋体" panose="02010600030101010101" pitchFamily="2" charset="-122"/>
+              <a:cs typeface="宋体" panose="02010600030101010101" pitchFamily="2" charset="-122"/>
+            </a:endParaRPr>
+          </a:p>
+          <a:p>
+            <a:r>
+              <a:rPr lang="zh-CN" altLang="en-US" sz="1600">
+                <a:latin typeface="宋体" panose="02010600030101010101" pitchFamily="2" charset="-122"/>
+                <a:ea typeface="宋体" panose="02010600030101010101" pitchFamily="2" charset="-122"/>
+                <a:cs typeface="宋体" panose="02010600030101010101" pitchFamily="2" charset="-122"/>
+              </a:rPr>
+              <a:t>'a':结果被格式化为带有效位数和指数的十六进制浮点数，'A'效果相同,但结果中字母为大写。0x1.4333333333333p3</a:t>
+            </a:r>
+            <a:endParaRPr lang="zh-CN" altLang="en-US" sz="1600">
+              <a:latin typeface="宋体" panose="02010600030101010101" pitchFamily="2" charset="-122"/>
+              <a:ea typeface="宋体" panose="02010600030101010101" pitchFamily="2" charset="-122"/>
+              <a:cs typeface="宋体" panose="02010600030101010101" pitchFamily="2" charset="-122"/>
+            </a:endParaRPr>
+          </a:p>
+          <a:p>
+            <a:r>
+              <a:rPr lang="zh-CN" altLang="en-US" sz="1600">
+                <a:latin typeface="宋体" panose="02010600030101010101" pitchFamily="2" charset="-122"/>
+                <a:ea typeface="宋体" panose="02010600030101010101" pitchFamily="2" charset="-122"/>
+                <a:cs typeface="宋体" panose="02010600030101010101" pitchFamily="2" charset="-122"/>
+              </a:rPr>
+              <a:t>'t':时间日期格式化前缀，会在后面讲述</a:t>
+            </a:r>
+            <a:endParaRPr lang="zh-CN" altLang="en-US" sz="1600">
+              <a:latin typeface="宋体" panose="02010600030101010101" pitchFamily="2" charset="-122"/>
+              <a:ea typeface="宋体" panose="02010600030101010101" pitchFamily="2" charset="-122"/>
+              <a:cs typeface="宋体" panose="02010600030101010101" pitchFamily="2" charset="-122"/>
+            </a:endParaRPr>
+          </a:p>
+          <a:p>
+            <a:r>
+              <a:rPr lang="zh-CN" altLang="en-US" sz="1600">
+                <a:latin typeface="宋体" panose="02010600030101010101" pitchFamily="2" charset="-122"/>
+                <a:ea typeface="宋体" panose="02010600030101010101" pitchFamily="2" charset="-122"/>
+                <a:cs typeface="宋体" panose="02010600030101010101" pitchFamily="2" charset="-122"/>
+              </a:rPr>
+              <a:t>'%':输出%。%</a:t>
+            </a:r>
+            <a:endParaRPr lang="zh-CN" altLang="en-US" sz="1600">
+              <a:latin typeface="宋体" panose="02010600030101010101" pitchFamily="2" charset="-122"/>
+              <a:ea typeface="宋体" panose="02010600030101010101" pitchFamily="2" charset="-122"/>
+              <a:cs typeface="宋体" panose="02010600030101010101" pitchFamily="2" charset="-122"/>
+            </a:endParaRPr>
+          </a:p>
+          <a:p>
+            <a:r>
+              <a:rPr lang="zh-CN" altLang="en-US" sz="1600">
+                <a:latin typeface="宋体" panose="02010600030101010101" pitchFamily="2" charset="-122"/>
+                <a:ea typeface="宋体" panose="02010600030101010101" pitchFamily="2" charset="-122"/>
+                <a:cs typeface="宋体" panose="02010600030101010101" pitchFamily="2" charset="-122"/>
+              </a:rPr>
+              <a:t>'n':平台独立的行分隔符。System.getProperty("line.separator")可以取得平台独立的行分隔符，但是用在format中间未免显得过于烦琐了</a:t>
+            </a:r>
+            <a:endParaRPr lang="zh-CN" altLang="en-US" sz="1600">
+              <a:latin typeface="宋体" panose="02010600030101010101" pitchFamily="2" charset="-122"/>
+              <a:ea typeface="宋体" panose="02010600030101010101" pitchFamily="2" charset="-122"/>
+              <a:cs typeface="宋体" panose="02010600030101010101" pitchFamily="2" charset="-122"/>
+            </a:endParaRPr>
+          </a:p>
+          <a:p>
+            <a:r>
+              <a:rPr lang="zh-CN" altLang="en-US" sz="1600">
+                <a:latin typeface="宋体" panose="02010600030101010101" pitchFamily="2" charset="-122"/>
+                <a:ea typeface="宋体" panose="02010600030101010101" pitchFamily="2" charset="-122"/>
+                <a:cs typeface="宋体" panose="02010600030101010101" pitchFamily="2" charset="-122"/>
+              </a:rPr>
+              <a:t>已经换行</a:t>
+            </a:r>
+            <a:endParaRPr lang="zh-CN" altLang="en-US" sz="1600">
+              <a:latin typeface="宋体" panose="02010600030101010101" pitchFamily="2" charset="-122"/>
+              <a:ea typeface="宋体" panose="02010600030101010101" pitchFamily="2" charset="-122"/>
+              <a:cs typeface="宋体" panose="02010600030101010101" pitchFamily="2" charset="-122"/>
+            </a:endParaRPr>
+          </a:p>
+        </p:txBody>
+      </p:sp>
+      <p:sp>
+        <p:nvSpPr>
+          <p:cNvPr id="3" name="文本框 2"/>
+          <p:cNvSpPr txBox="1"/>
+          <p:nvPr/>
+        </p:nvSpPr>
+        <p:spPr>
+          <a:xfrm>
+            <a:off x="267335" y="5982970"/>
+            <a:ext cx="9262110" cy="583565"/>
+          </a:xfrm>
+          <a:prstGeom prst="rect">
+            <a:avLst/>
+          </a:prstGeom>
+          <a:noFill/>
+        </p:spPr>
+        <p:txBody>
+          <a:bodyPr wrap="square" rtlCol="0">
+            <a:spAutoFit/>
+          </a:bodyPr>
+          <a:p>
+            <a:r>
+              <a:rPr lang="zh-CN" altLang="en-US" sz="1600"/>
+              <a:t>String formatStr = String.format("我的名字叫 %s,我的年龄是 %d", "tom", 20);</a:t>
+            </a:r>
+            <a:endParaRPr lang="zh-CN" altLang="en-US" sz="1600"/>
+          </a:p>
+          <a:p>
+            <a:r>
+              <a:rPr lang="zh-CN" altLang="en-US" sz="1600"/>
+              <a:t>System.out.println(formatStr);</a:t>
+            </a:r>
+            <a:endParaRPr lang="zh-CN" altLang="en-US" sz="1600"/>
+          </a:p>
+        </p:txBody>
+      </p:sp>
+      <p:sp>
+        <p:nvSpPr>
+          <p:cNvPr id="4" name="文本框 3"/>
+          <p:cNvSpPr txBox="1"/>
+          <p:nvPr/>
+        </p:nvSpPr>
+        <p:spPr>
+          <a:xfrm>
+            <a:off x="4055110" y="701040"/>
+            <a:ext cx="4699635" cy="583565"/>
+          </a:xfrm>
+          <a:prstGeom prst="rect">
+            <a:avLst/>
+          </a:prstGeom>
+          <a:noFill/>
+        </p:spPr>
+        <p:txBody>
+          <a:bodyPr wrap="square" rtlCol="0">
+            <a:spAutoFit/>
+          </a:bodyPr>
+          <a:p>
+            <a:r>
+              <a:rPr lang="zh-CN" altLang="en-US" sz="3200"/>
+              <a:t>字符串格式化</a:t>
+            </a:r>
+            <a:endParaRPr lang="zh-CN" altLang="en-US" sz="3200"/>
+          </a:p>
+        </p:txBody>
+      </p:sp>
+    </p:spTree>
+    <p:custDataLst>
+      <p:tags r:id="rId2"/>
+    </p:custDataLst>
+  </p:cSld>
+  <p:clrMapOvr>
+    <a:masterClrMapping/>
+  </p:clrMapOvr>
+</p:sld>
+</file>
+
+<file path=ppt/slides/slide11.xml><?xml version="1.0" encoding="utf-8"?>
+<p:sld xmlns:a="http://schemas.openxmlformats.org/drawingml/2006/main" xmlns:r="http://schemas.openxmlformats.org/officeDocument/2006/relationships" xmlns:p="http://schemas.openxmlformats.org/presentationml/2006/main">
+  <p:cSld>
+    <p:bg>
+      <p:bgPr>
+        <a:blipFill rotWithShape="1">
+          <a:blip r:embed="rId1"/>
+          <a:stretch>
+            <a:fillRect/>
+          </a:stretch>
+        </a:blipFill>
+        <a:effectLst/>
+      </p:bgPr>
+    </p:bg>
+    <p:spTree>
+      <p:nvGrpSpPr>
+        <p:cNvPr id="1" name=""/>
+        <p:cNvGrpSpPr/>
+        <p:nvPr/>
+      </p:nvGrpSpPr>
+      <p:grpSpPr/>
+      <p:sp>
+        <p:nvSpPr>
           <p:cNvPr id="4" name="文本框 3"/>
           <p:cNvSpPr txBox="1"/>
           <p:nvPr/>
@@ -6434,7 +6809,45 @@
                 <a:ea typeface="宋体" panose="02010600030101010101" pitchFamily="2" charset="-122"/>
                 <a:cs typeface="宋体" panose="02010600030101010101" pitchFamily="2" charset="-122"/>
               </a:rPr>
-              <a:t>UUID(Universally Unique Identifier)全局唯一标识符,是指在一台机器上生成的数字，它保证对在同一时空中的所有机器都是唯一的。按照开放软件基金会(OSF)制定的标准计算，用到了以太网卡地址、纳秒级时间、芯片ID码和许多可能的数字。由以下几部分的组合：当前日期和时间(UUID的第一个部分与时间有关，如果你在生成一个UUID之后，过几秒又生成一个UUID，则第一个部分不同，其余相同)，时钟序列，全局唯一的IEEE机器识别号（如果有网卡，从网卡获得，没有网卡以其他方式获得），UUID的唯一缺陷在于生成的结果串会比较长。</a:t>
+              <a:t>UUID(Universally Unique Identifier)全局唯一标识符,是指在一台机器上生成的数字，它保证对在</a:t>
+            </a:r>
+            <a:r>
+              <a:rPr lang="zh-CN" altLang="en-US" sz="1600" b="1">
+                <a:solidFill>
+                  <a:srgbClr val="FF0000"/>
+                </a:solidFill>
+                <a:latin typeface="宋体" panose="02010600030101010101" pitchFamily="2" charset="-122"/>
+                <a:ea typeface="宋体" panose="02010600030101010101" pitchFamily="2" charset="-122"/>
+                <a:cs typeface="宋体" panose="02010600030101010101" pitchFamily="2" charset="-122"/>
+              </a:rPr>
+              <a:t>同一时空中的所有机器都是唯一的</a:t>
+            </a:r>
+            <a:r>
+              <a:rPr lang="zh-CN" altLang="en-US" sz="1600">
+                <a:latin typeface="宋体" panose="02010600030101010101" pitchFamily="2" charset="-122"/>
+                <a:ea typeface="宋体" panose="02010600030101010101" pitchFamily="2" charset="-122"/>
+                <a:cs typeface="宋体" panose="02010600030101010101" pitchFamily="2" charset="-122"/>
+              </a:rPr>
+              <a:t>。按照开放软件基金会(OSF)制定的标准计算，用到了</a:t>
+            </a:r>
+            <a:r>
+              <a:rPr lang="zh-CN" altLang="en-US" sz="1600" b="1">
+                <a:solidFill>
+                  <a:srgbClr val="FF0000"/>
+                </a:solidFill>
+                <a:latin typeface="宋体" panose="02010600030101010101" pitchFamily="2" charset="-122"/>
+                <a:ea typeface="宋体" panose="02010600030101010101" pitchFamily="2" charset="-122"/>
+                <a:cs typeface="宋体" panose="02010600030101010101" pitchFamily="2" charset="-122"/>
+              </a:rPr>
+              <a:t>以太网卡地址、纳秒级时间、芯片ID码和许多可能的数字</a:t>
+            </a:r>
+            <a:r>
+              <a:rPr lang="zh-CN" altLang="en-US" sz="1600">
+                <a:latin typeface="宋体" panose="02010600030101010101" pitchFamily="2" charset="-122"/>
+                <a:ea typeface="宋体" panose="02010600030101010101" pitchFamily="2" charset="-122"/>
+                <a:cs typeface="宋体" panose="02010600030101010101" pitchFamily="2" charset="-122"/>
+              </a:rPr>
+              <a:t>。由以下几部分的组合：当前日期和时间(UUID的第一个部分与时间有关，如果你在生成一个UUID之后，过几秒又生成一个UUID，则第一个部分不同，其余相同)，时钟序列，全局唯一的IEEE机器识别号（如果有网卡，从网卡获得，没有网卡以其他方式获得），UUID的唯一缺陷在于生成的结果串会比较长。</a:t>
             </a:r>
             <a:endParaRPr lang="zh-CN" altLang="en-US" sz="1600">
               <a:latin typeface="宋体" panose="02010600030101010101" pitchFamily="2" charset="-122"/>
@@ -6567,7 +6980,7 @@
 </p:sld>
 </file>
 
-<file path=ppt/slides/slide11.xml><?xml version="1.0" encoding="utf-8"?>
+<file path=ppt/slides/slide12.xml><?xml version="1.0" encoding="utf-8"?>
 <p:sld xmlns:a="http://schemas.openxmlformats.org/drawingml/2006/main" xmlns:r="http://schemas.openxmlformats.org/officeDocument/2006/relationships" xmlns:p="http://schemas.openxmlformats.org/presentationml/2006/main">
   <p:cSld>
     <p:bg>
@@ -6599,7 +7012,7 @@
 </p:sld>
 </file>
 
-<file path=ppt/slides/slide12.xml><?xml version="1.0" encoding="utf-8"?>
+<file path=ppt/slides/slide13.xml><?xml version="1.0" encoding="utf-8"?>
 <p:sld xmlns:a="http://schemas.openxmlformats.org/drawingml/2006/main" xmlns:r="http://schemas.openxmlformats.org/officeDocument/2006/relationships" xmlns:p="http://schemas.openxmlformats.org/presentationml/2006/main">
   <p:cSld>
     <p:bg>
@@ -7588,6 +8001,134 @@
         <p:nvPr/>
       </p:nvGrpSpPr>
       <p:grpSpPr/>
+      <p:sp>
+        <p:nvSpPr>
+          <p:cNvPr id="3" name="文本框 2"/>
+          <p:cNvSpPr txBox="1"/>
+          <p:nvPr/>
+        </p:nvSpPr>
+        <p:spPr>
+          <a:xfrm>
+            <a:off x="207645" y="1294130"/>
+            <a:ext cx="11776075" cy="583565"/>
+          </a:xfrm>
+          <a:prstGeom prst="rect">
+            <a:avLst/>
+          </a:prstGeom>
+          <a:noFill/>
+        </p:spPr>
+        <p:txBody>
+          <a:bodyPr wrap="square" rtlCol="0">
+            <a:spAutoFit/>
+          </a:bodyPr>
+          <a:p>
+            <a:r>
+              <a:rPr lang="en-US" altLang="zh-CN" sz="1600">
+                <a:latin typeface="宋体" panose="02010600030101010101" pitchFamily="2" charset="-122"/>
+                <a:ea typeface="宋体" panose="02010600030101010101" pitchFamily="2" charset="-122"/>
+                <a:cs typeface="宋体" panose="02010600030101010101" pitchFamily="2" charset="-122"/>
+              </a:rPr>
+              <a:t>字母前面加上捺斜线"\"来表示常见的那些不能显示的ASCII字符.称为转义字符.如\0,\t,\n等，就称为转义字符，因为后面的字符，都不是它本来的ASCII字符意思了。</a:t>
+            </a:r>
+            <a:endParaRPr lang="en-US" altLang="zh-CN" sz="1600">
+              <a:latin typeface="宋体" panose="02010600030101010101" pitchFamily="2" charset="-122"/>
+              <a:ea typeface="宋体" panose="02010600030101010101" pitchFamily="2" charset="-122"/>
+              <a:cs typeface="宋体" panose="02010600030101010101" pitchFamily="2" charset="-122"/>
+            </a:endParaRPr>
+          </a:p>
+        </p:txBody>
+      </p:sp>
+      <p:pic>
+        <p:nvPicPr>
+          <p:cNvPr id="4" name="图片 3"/>
+          <p:cNvPicPr>
+            <a:picLocks noChangeAspect="1"/>
+          </p:cNvPicPr>
+          <p:nvPr/>
+        </p:nvPicPr>
+        <p:blipFill>
+          <a:blip r:embed="rId2"/>
+          <a:stretch>
+            <a:fillRect/>
+          </a:stretch>
+        </p:blipFill>
+        <p:spPr>
+          <a:xfrm>
+            <a:off x="7287260" y="1736725"/>
+            <a:ext cx="4575175" cy="4953635"/>
+          </a:xfrm>
+          <a:prstGeom prst="rect">
+            <a:avLst/>
+          </a:prstGeom>
+        </p:spPr>
+      </p:pic>
+      <p:sp>
+        <p:nvSpPr>
+          <p:cNvPr id="6" name="文本框 5"/>
+          <p:cNvSpPr txBox="1"/>
+          <p:nvPr/>
+        </p:nvSpPr>
+        <p:spPr>
+          <a:xfrm>
+            <a:off x="208280" y="710565"/>
+            <a:ext cx="11654155" cy="583565"/>
+          </a:xfrm>
+          <a:prstGeom prst="rect">
+            <a:avLst/>
+          </a:prstGeom>
+          <a:noFill/>
+        </p:spPr>
+        <p:txBody>
+          <a:bodyPr wrap="square" rtlCol="0">
+            <a:spAutoFit/>
+          </a:bodyPr>
+          <a:p>
+            <a:pPr algn="ctr"/>
+            <a:r>
+              <a:rPr lang="en-US" altLang="zh-CN" sz="3200" b="1">
+                <a:latin typeface="宋体" panose="02010600030101010101" pitchFamily="2" charset="-122"/>
+                <a:ea typeface="宋体" panose="02010600030101010101" pitchFamily="2" charset="-122"/>
+                <a:cs typeface="宋体" panose="02010600030101010101" pitchFamily="2" charset="-122"/>
+                <a:sym typeface="+mn-ea"/>
+              </a:rPr>
+              <a:t>JAVA的转义字符</a:t>
+            </a:r>
+            <a:endParaRPr lang="zh-CN" altLang="en-US" sz="3200"/>
+          </a:p>
+        </p:txBody>
+      </p:sp>
+    </p:spTree>
+    <p:custDataLst>
+      <p:tags r:id="rId3"/>
+    </p:custDataLst>
+  </p:cSld>
+  <p:clrMapOvr>
+    <a:masterClrMapping/>
+  </p:clrMapOvr>
+</p:sld>
+</file>
+
+<file path=ppt/slides/slide7.xml><?xml version="1.0" encoding="utf-8"?>
+<p:sld xmlns:a="http://schemas.openxmlformats.org/drawingml/2006/main" xmlns:r="http://schemas.openxmlformats.org/officeDocument/2006/relationships" xmlns:p="http://schemas.openxmlformats.org/presentationml/2006/main">
+  <p:cSld>
+    <p:bg>
+      <p:bgPr>
+        <a:blipFill rotWithShape="1">
+          <a:blip r:embed="rId1"/>
+          <a:stretch>
+            <a:fillRect/>
+          </a:stretch>
+        </a:blipFill>
+        <a:effectLst/>
+      </p:bgPr>
+    </p:bg>
+    <p:spTree>
+      <p:nvGrpSpPr>
+        <p:cNvPr id="1" name=""/>
+        <p:cNvGrpSpPr/>
+        <p:nvPr/>
+      </p:nvGrpSpPr>
+      <p:grpSpPr/>
       <p:pic>
         <p:nvPicPr>
           <p:cNvPr id="6" name="图片 5"/>
@@ -7656,7 +8197,7 @@
 </p:sld>
 </file>
 
-<file path=ppt/slides/slide7.xml><?xml version="1.0" encoding="utf-8"?>
+<file path=ppt/slides/slide8.xml><?xml version="1.0" encoding="utf-8"?>
 <p:sld xmlns:a="http://schemas.openxmlformats.org/drawingml/2006/main" xmlns:r="http://schemas.openxmlformats.org/officeDocument/2006/relationships" xmlns:p="http://schemas.openxmlformats.org/presentationml/2006/main">
   <p:cSld>
     <p:bg>
@@ -7712,7 +8253,7 @@
 </p:sld>
 </file>
 
-<file path=ppt/slides/slide8.xml><?xml version="1.0" encoding="utf-8"?>
+<file path=ppt/slides/slide9.xml><?xml version="1.0" encoding="utf-8"?>
 <p:sld xmlns:a="http://schemas.openxmlformats.org/drawingml/2006/main" xmlns:r="http://schemas.openxmlformats.org/officeDocument/2006/relationships" xmlns:p="http://schemas.openxmlformats.org/presentationml/2006/main">
   <p:cSld>
     <p:bg>
@@ -7768,380 +8309,6 @@
 </p:sld>
 </file>
 
-<file path=ppt/slides/slide9.xml><?xml version="1.0" encoding="utf-8"?>
-<p:sld xmlns:a="http://schemas.openxmlformats.org/drawingml/2006/main" xmlns:r="http://schemas.openxmlformats.org/officeDocument/2006/relationships" xmlns:p="http://schemas.openxmlformats.org/presentationml/2006/main">
-  <p:cSld>
-    <p:bg>
-      <p:bgPr>
-        <a:blipFill rotWithShape="1">
-          <a:blip r:embed="rId1"/>
-          <a:stretch>
-            <a:fillRect/>
-          </a:stretch>
-        </a:blipFill>
-        <a:effectLst/>
-      </p:bgPr>
-    </p:bg>
-    <p:spTree>
-      <p:nvGrpSpPr>
-        <p:cNvPr id="1" name=""/>
-        <p:cNvGrpSpPr/>
-        <p:nvPr/>
-      </p:nvGrpSpPr>
-      <p:grpSpPr/>
-      <p:sp>
-        <p:nvSpPr>
-          <p:cNvPr id="2" name="文本框 1"/>
-          <p:cNvSpPr txBox="1"/>
-          <p:nvPr/>
-        </p:nvSpPr>
-        <p:spPr>
-          <a:xfrm>
-            <a:off x="247650" y="1459865"/>
-            <a:ext cx="11639550" cy="4523105"/>
-          </a:xfrm>
-          <a:prstGeom prst="rect">
-            <a:avLst/>
-          </a:prstGeom>
-          <a:noFill/>
-        </p:spPr>
-        <p:txBody>
-          <a:bodyPr wrap="square" rtlCol="0">
-            <a:spAutoFit/>
-          </a:bodyPr>
-          <a:p>
-            <a:r>
-              <a:rPr lang="zh-CN" altLang="en-US" sz="1600">
-                <a:latin typeface="宋体" panose="02010600030101010101" pitchFamily="2" charset="-122"/>
-                <a:ea typeface="宋体" panose="02010600030101010101" pitchFamily="2" charset="-122"/>
-                <a:cs typeface="宋体" panose="02010600030101010101" pitchFamily="2" charset="-122"/>
-              </a:rPr>
-              <a:t>'b':将参数格式化为boolean类型输出，'B'的效果相同,但结果中字母为大写。false</a:t>
-            </a:r>
-            <a:endParaRPr lang="zh-CN" altLang="en-US" sz="1600">
-              <a:latin typeface="宋体" panose="02010600030101010101" pitchFamily="2" charset="-122"/>
-              <a:ea typeface="宋体" panose="02010600030101010101" pitchFamily="2" charset="-122"/>
-              <a:cs typeface="宋体" panose="02010600030101010101" pitchFamily="2" charset="-122"/>
-            </a:endParaRPr>
-          </a:p>
-          <a:p>
-            <a:r>
-              <a:rPr lang="zh-CN" altLang="en-US" sz="1600">
-                <a:latin typeface="宋体" panose="02010600030101010101" pitchFamily="2" charset="-122"/>
-                <a:ea typeface="宋体" panose="02010600030101010101" pitchFamily="2" charset="-122"/>
-                <a:cs typeface="宋体" panose="02010600030101010101" pitchFamily="2" charset="-122"/>
-              </a:rPr>
-              <a:t>'h':将参数格式化为散列输出，原理：Integer.toHexString(arg.hashCode())，'H'的效果相同,但结果中字母为大写。fc42</a:t>
-            </a:r>
-            <a:endParaRPr lang="zh-CN" altLang="en-US" sz="1600">
-              <a:latin typeface="宋体" panose="02010600030101010101" pitchFamily="2" charset="-122"/>
-              <a:ea typeface="宋体" panose="02010600030101010101" pitchFamily="2" charset="-122"/>
-              <a:cs typeface="宋体" panose="02010600030101010101" pitchFamily="2" charset="-122"/>
-            </a:endParaRPr>
-          </a:p>
-          <a:p>
-            <a:r>
-              <a:rPr lang="zh-CN" altLang="en-US" sz="1600">
-                <a:latin typeface="宋体" panose="02010600030101010101" pitchFamily="2" charset="-122"/>
-                <a:ea typeface="宋体" panose="02010600030101010101" pitchFamily="2" charset="-122"/>
-                <a:cs typeface="宋体" panose="02010600030101010101" pitchFamily="2" charset="-122"/>
-              </a:rPr>
-              <a:t>'s':将参数格式化为字符串输出，如果参数实现了 Formattable接口，则调用 formatTo方法。'S'的效果相同。16</a:t>
-            </a:r>
-            <a:endParaRPr lang="zh-CN" altLang="en-US" sz="1600">
-              <a:latin typeface="宋体" panose="02010600030101010101" pitchFamily="2" charset="-122"/>
-              <a:ea typeface="宋体" panose="02010600030101010101" pitchFamily="2" charset="-122"/>
-              <a:cs typeface="宋体" panose="02010600030101010101" pitchFamily="2" charset="-122"/>
-            </a:endParaRPr>
-          </a:p>
-          <a:p>
-            <a:r>
-              <a:rPr lang="zh-CN" altLang="en-US" sz="1600">
-                <a:latin typeface="宋体" panose="02010600030101010101" pitchFamily="2" charset="-122"/>
-                <a:ea typeface="宋体" panose="02010600030101010101" pitchFamily="2" charset="-122"/>
-                <a:cs typeface="宋体" panose="02010600030101010101" pitchFamily="2" charset="-122"/>
-              </a:rPr>
-              <a:t>FormatImpl类实现了Formattable接口：我是Formattable接口的实现类</a:t>
-            </a:r>
-            <a:endParaRPr lang="zh-CN" altLang="en-US" sz="1600">
-              <a:latin typeface="宋体" panose="02010600030101010101" pitchFamily="2" charset="-122"/>
-              <a:ea typeface="宋体" panose="02010600030101010101" pitchFamily="2" charset="-122"/>
-              <a:cs typeface="宋体" panose="02010600030101010101" pitchFamily="2" charset="-122"/>
-            </a:endParaRPr>
-          </a:p>
-          <a:p>
-            <a:r>
-              <a:rPr lang="zh-CN" altLang="en-US" sz="1600">
-                <a:latin typeface="宋体" panose="02010600030101010101" pitchFamily="2" charset="-122"/>
-                <a:ea typeface="宋体" panose="02010600030101010101" pitchFamily="2" charset="-122"/>
-                <a:cs typeface="宋体" panose="02010600030101010101" pitchFamily="2" charset="-122"/>
-              </a:rPr>
-              <a:t>'c':将参数格式化为Unicode字符，'C'的效果相同。A</a:t>
-            </a:r>
-            <a:endParaRPr lang="zh-CN" altLang="en-US" sz="1600">
-              <a:latin typeface="宋体" panose="02010600030101010101" pitchFamily="2" charset="-122"/>
-              <a:ea typeface="宋体" panose="02010600030101010101" pitchFamily="2" charset="-122"/>
-              <a:cs typeface="宋体" panose="02010600030101010101" pitchFamily="2" charset="-122"/>
-            </a:endParaRPr>
-          </a:p>
-          <a:p>
-            <a:r>
-              <a:rPr lang="zh-CN" altLang="en-US" sz="1600">
-                <a:latin typeface="宋体" panose="02010600030101010101" pitchFamily="2" charset="-122"/>
-                <a:ea typeface="宋体" panose="02010600030101010101" pitchFamily="2" charset="-122"/>
-                <a:cs typeface="宋体" panose="02010600030101010101" pitchFamily="2" charset="-122"/>
-              </a:rPr>
-              <a:t>'d':将参数格式化为十进制整数。11</a:t>
-            </a:r>
-            <a:endParaRPr lang="zh-CN" altLang="en-US" sz="1600">
-              <a:latin typeface="宋体" panose="02010600030101010101" pitchFamily="2" charset="-122"/>
-              <a:ea typeface="宋体" panose="02010600030101010101" pitchFamily="2" charset="-122"/>
-              <a:cs typeface="宋体" panose="02010600030101010101" pitchFamily="2" charset="-122"/>
-            </a:endParaRPr>
-          </a:p>
-          <a:p>
-            <a:r>
-              <a:rPr lang="zh-CN" altLang="en-US" sz="1600">
-                <a:latin typeface="宋体" panose="02010600030101010101" pitchFamily="2" charset="-122"/>
-                <a:ea typeface="宋体" panose="02010600030101010101" pitchFamily="2" charset="-122"/>
-                <a:cs typeface="宋体" panose="02010600030101010101" pitchFamily="2" charset="-122"/>
-              </a:rPr>
-              <a:t>'o':将参数格式化为八进制整数。11</a:t>
-            </a:r>
-            <a:endParaRPr lang="zh-CN" altLang="en-US" sz="1600">
-              <a:latin typeface="宋体" panose="02010600030101010101" pitchFamily="2" charset="-122"/>
-              <a:ea typeface="宋体" panose="02010600030101010101" pitchFamily="2" charset="-122"/>
-              <a:cs typeface="宋体" panose="02010600030101010101" pitchFamily="2" charset="-122"/>
-            </a:endParaRPr>
-          </a:p>
-          <a:p>
-            <a:r>
-              <a:rPr lang="zh-CN" altLang="en-US" sz="1600">
-                <a:latin typeface="宋体" panose="02010600030101010101" pitchFamily="2" charset="-122"/>
-                <a:ea typeface="宋体" panose="02010600030101010101" pitchFamily="2" charset="-122"/>
-                <a:cs typeface="宋体" panose="02010600030101010101" pitchFamily="2" charset="-122"/>
-              </a:rPr>
-              <a:t>'x':将参数格式化为十六进制整数。11</a:t>
-            </a:r>
-            <a:endParaRPr lang="zh-CN" altLang="en-US" sz="1600">
-              <a:latin typeface="宋体" panose="02010600030101010101" pitchFamily="2" charset="-122"/>
-              <a:ea typeface="宋体" panose="02010600030101010101" pitchFamily="2" charset="-122"/>
-              <a:cs typeface="宋体" panose="02010600030101010101" pitchFamily="2" charset="-122"/>
-            </a:endParaRPr>
-          </a:p>
-          <a:p>
-            <a:r>
-              <a:rPr lang="zh-CN" altLang="en-US" sz="1600">
-                <a:latin typeface="宋体" panose="02010600030101010101" pitchFamily="2" charset="-122"/>
-                <a:ea typeface="宋体" panose="02010600030101010101" pitchFamily="2" charset="-122"/>
-                <a:cs typeface="宋体" panose="02010600030101010101" pitchFamily="2" charset="-122"/>
-              </a:rPr>
-              <a:t>'e':将参数格式化为科学计数法的浮点数，'E'的效果相同。1.000000E+01</a:t>
-            </a:r>
-            <a:endParaRPr lang="zh-CN" altLang="en-US" sz="1600">
-              <a:latin typeface="宋体" panose="02010600030101010101" pitchFamily="2" charset="-122"/>
-              <a:ea typeface="宋体" panose="02010600030101010101" pitchFamily="2" charset="-122"/>
-              <a:cs typeface="宋体" panose="02010600030101010101" pitchFamily="2" charset="-122"/>
-            </a:endParaRPr>
-          </a:p>
-          <a:p>
-            <a:r>
-              <a:rPr lang="zh-CN" altLang="en-US" sz="1600">
-                <a:latin typeface="宋体" panose="02010600030101010101" pitchFamily="2" charset="-122"/>
-                <a:ea typeface="宋体" panose="02010600030101010101" pitchFamily="2" charset="-122"/>
-                <a:cs typeface="宋体" panose="02010600030101010101" pitchFamily="2" charset="-122"/>
-              </a:rPr>
-              <a:t>'f':将参数格式化为十进制浮点数。10.000001</a:t>
-            </a:r>
-            <a:endParaRPr lang="zh-CN" altLang="en-US" sz="1600">
-              <a:latin typeface="宋体" panose="02010600030101010101" pitchFamily="2" charset="-122"/>
-              <a:ea typeface="宋体" panose="02010600030101010101" pitchFamily="2" charset="-122"/>
-              <a:cs typeface="宋体" panose="02010600030101010101" pitchFamily="2" charset="-122"/>
-            </a:endParaRPr>
-          </a:p>
-          <a:p>
-            <a:r>
-              <a:rPr lang="zh-CN" altLang="en-US" sz="1600">
-                <a:latin typeface="宋体" panose="02010600030101010101" pitchFamily="2" charset="-122"/>
-                <a:ea typeface="宋体" panose="02010600030101010101" pitchFamily="2" charset="-122"/>
-                <a:cs typeface="宋体" panose="02010600030101010101" pitchFamily="2" charset="-122"/>
-              </a:rPr>
-              <a:t>'g':根据具体情况，自动选择用普通表示方式还是科学计数法方式，'G'效果相同。10.01=10.0100</a:t>
-            </a:r>
-            <a:endParaRPr lang="zh-CN" altLang="en-US" sz="1600">
-              <a:latin typeface="宋体" panose="02010600030101010101" pitchFamily="2" charset="-122"/>
-              <a:ea typeface="宋体" panose="02010600030101010101" pitchFamily="2" charset="-122"/>
-              <a:cs typeface="宋体" panose="02010600030101010101" pitchFamily="2" charset="-122"/>
-            </a:endParaRPr>
-          </a:p>
-          <a:p>
-            <a:r>
-              <a:rPr lang="zh-CN" altLang="en-US" sz="1600">
-                <a:latin typeface="宋体" panose="02010600030101010101" pitchFamily="2" charset="-122"/>
-                <a:ea typeface="宋体" panose="02010600030101010101" pitchFamily="2" charset="-122"/>
-                <a:cs typeface="宋体" panose="02010600030101010101" pitchFamily="2" charset="-122"/>
-              </a:rPr>
-              <a:t>'g':根据具体情况，自动选择用普通表示方式还是科学计数法方式，'G'效果相同。10.00000000005=10.0000</a:t>
-            </a:r>
-            <a:endParaRPr lang="zh-CN" altLang="en-US" sz="1600">
-              <a:latin typeface="宋体" panose="02010600030101010101" pitchFamily="2" charset="-122"/>
-              <a:ea typeface="宋体" panose="02010600030101010101" pitchFamily="2" charset="-122"/>
-              <a:cs typeface="宋体" panose="02010600030101010101" pitchFamily="2" charset="-122"/>
-            </a:endParaRPr>
-          </a:p>
-          <a:p>
-            <a:r>
-              <a:rPr lang="zh-CN" altLang="en-US" sz="1600">
-                <a:latin typeface="宋体" panose="02010600030101010101" pitchFamily="2" charset="-122"/>
-                <a:ea typeface="宋体" panose="02010600030101010101" pitchFamily="2" charset="-122"/>
-                <a:cs typeface="宋体" panose="02010600030101010101" pitchFamily="2" charset="-122"/>
-              </a:rPr>
-              <a:t>'a':结果被格式化为带有效位数和指数的十六进制浮点数，'A'效果相同,但结果中字母为大写。0x1.4333333333333p3</a:t>
-            </a:r>
-            <a:endParaRPr lang="zh-CN" altLang="en-US" sz="1600">
-              <a:latin typeface="宋体" panose="02010600030101010101" pitchFamily="2" charset="-122"/>
-              <a:ea typeface="宋体" panose="02010600030101010101" pitchFamily="2" charset="-122"/>
-              <a:cs typeface="宋体" panose="02010600030101010101" pitchFamily="2" charset="-122"/>
-            </a:endParaRPr>
-          </a:p>
-          <a:p>
-            <a:r>
-              <a:rPr lang="zh-CN" altLang="en-US" sz="1600">
-                <a:latin typeface="宋体" panose="02010600030101010101" pitchFamily="2" charset="-122"/>
-                <a:ea typeface="宋体" panose="02010600030101010101" pitchFamily="2" charset="-122"/>
-                <a:cs typeface="宋体" panose="02010600030101010101" pitchFamily="2" charset="-122"/>
-              </a:rPr>
-              <a:t>'t':时间日期格式化前缀，会在后面讲述</a:t>
-            </a:r>
-            <a:endParaRPr lang="zh-CN" altLang="en-US" sz="1600">
-              <a:latin typeface="宋体" panose="02010600030101010101" pitchFamily="2" charset="-122"/>
-              <a:ea typeface="宋体" panose="02010600030101010101" pitchFamily="2" charset="-122"/>
-              <a:cs typeface="宋体" panose="02010600030101010101" pitchFamily="2" charset="-122"/>
-            </a:endParaRPr>
-          </a:p>
-          <a:p>
-            <a:r>
-              <a:rPr lang="zh-CN" altLang="en-US" sz="1600">
-                <a:latin typeface="宋体" panose="02010600030101010101" pitchFamily="2" charset="-122"/>
-                <a:ea typeface="宋体" panose="02010600030101010101" pitchFamily="2" charset="-122"/>
-                <a:cs typeface="宋体" panose="02010600030101010101" pitchFamily="2" charset="-122"/>
-              </a:rPr>
-              <a:t>'%':输出%。%</a:t>
-            </a:r>
-            <a:endParaRPr lang="zh-CN" altLang="en-US" sz="1600">
-              <a:latin typeface="宋体" panose="02010600030101010101" pitchFamily="2" charset="-122"/>
-              <a:ea typeface="宋体" panose="02010600030101010101" pitchFamily="2" charset="-122"/>
-              <a:cs typeface="宋体" panose="02010600030101010101" pitchFamily="2" charset="-122"/>
-            </a:endParaRPr>
-          </a:p>
-          <a:p>
-            <a:r>
-              <a:rPr lang="zh-CN" altLang="en-US" sz="1600">
-                <a:latin typeface="宋体" panose="02010600030101010101" pitchFamily="2" charset="-122"/>
-                <a:ea typeface="宋体" panose="02010600030101010101" pitchFamily="2" charset="-122"/>
-                <a:cs typeface="宋体" panose="02010600030101010101" pitchFamily="2" charset="-122"/>
-              </a:rPr>
-              <a:t>'n':平台独立的行分隔符。System.getProperty("line.separator")可以取得平台独立的行分隔符，但是用在format中间未免显得过于烦琐了</a:t>
-            </a:r>
-            <a:endParaRPr lang="zh-CN" altLang="en-US" sz="1600">
-              <a:latin typeface="宋体" panose="02010600030101010101" pitchFamily="2" charset="-122"/>
-              <a:ea typeface="宋体" panose="02010600030101010101" pitchFamily="2" charset="-122"/>
-              <a:cs typeface="宋体" panose="02010600030101010101" pitchFamily="2" charset="-122"/>
-            </a:endParaRPr>
-          </a:p>
-          <a:p>
-            <a:r>
-              <a:rPr lang="zh-CN" altLang="en-US" sz="1600">
-                <a:latin typeface="宋体" panose="02010600030101010101" pitchFamily="2" charset="-122"/>
-                <a:ea typeface="宋体" panose="02010600030101010101" pitchFamily="2" charset="-122"/>
-                <a:cs typeface="宋体" panose="02010600030101010101" pitchFamily="2" charset="-122"/>
-              </a:rPr>
-              <a:t>已经换行</a:t>
-            </a:r>
-            <a:endParaRPr lang="zh-CN" altLang="en-US" sz="1600">
-              <a:latin typeface="宋体" panose="02010600030101010101" pitchFamily="2" charset="-122"/>
-              <a:ea typeface="宋体" panose="02010600030101010101" pitchFamily="2" charset="-122"/>
-              <a:cs typeface="宋体" panose="02010600030101010101" pitchFamily="2" charset="-122"/>
-            </a:endParaRPr>
-          </a:p>
-        </p:txBody>
-      </p:sp>
-      <p:sp>
-        <p:nvSpPr>
-          <p:cNvPr id="3" name="文本框 2"/>
-          <p:cNvSpPr txBox="1"/>
-          <p:nvPr/>
-        </p:nvSpPr>
-        <p:spPr>
-          <a:xfrm>
-            <a:off x="267335" y="5982970"/>
-            <a:ext cx="9262110" cy="583565"/>
-          </a:xfrm>
-          <a:prstGeom prst="rect">
-            <a:avLst/>
-          </a:prstGeom>
-          <a:noFill/>
-        </p:spPr>
-        <p:txBody>
-          <a:bodyPr wrap="square" rtlCol="0">
-            <a:spAutoFit/>
-          </a:bodyPr>
-          <a:p>
-            <a:r>
-              <a:rPr lang="zh-CN" altLang="en-US" sz="1600"/>
-              <a:t>String formatStr = String.format("我的名字叫 %s,我的年龄是 %d", "tom", 20);</a:t>
-            </a:r>
-            <a:endParaRPr lang="zh-CN" altLang="en-US" sz="1600"/>
-          </a:p>
-          <a:p>
-            <a:r>
-              <a:rPr lang="zh-CN" altLang="en-US" sz="1600"/>
-              <a:t>System.out.println(formatStr);</a:t>
-            </a:r>
-            <a:endParaRPr lang="zh-CN" altLang="en-US" sz="1600"/>
-          </a:p>
-        </p:txBody>
-      </p:sp>
-      <p:sp>
-        <p:nvSpPr>
-          <p:cNvPr id="4" name="文本框 3"/>
-          <p:cNvSpPr txBox="1"/>
-          <p:nvPr/>
-        </p:nvSpPr>
-        <p:spPr>
-          <a:xfrm>
-            <a:off x="4055110" y="701040"/>
-            <a:ext cx="4699635" cy="583565"/>
-          </a:xfrm>
-          <a:prstGeom prst="rect">
-            <a:avLst/>
-          </a:prstGeom>
-          <a:noFill/>
-        </p:spPr>
-        <p:txBody>
-          <a:bodyPr wrap="square" rtlCol="0">
-            <a:spAutoFit/>
-          </a:bodyPr>
-          <a:p>
-            <a:r>
-              <a:rPr lang="zh-CN" altLang="en-US" sz="3200"/>
-              <a:t>字符串格式化</a:t>
-            </a:r>
-            <a:endParaRPr lang="zh-CN" altLang="en-US" sz="3200"/>
-          </a:p>
-        </p:txBody>
-      </p:sp>
-    </p:spTree>
-    <p:custDataLst>
-      <p:tags r:id="rId2"/>
-    </p:custDataLst>
-  </p:cSld>
-  <p:clrMapOvr>
-    <a:masterClrMapping/>
-  </p:clrMapOvr>
-</p:sld>
-</file>
-
 <file path=ppt/tags/tag1.xml><?xml version="1.0" encoding="utf-8"?>
 <p:tagLst xmlns:p="http://schemas.openxmlformats.org/presentationml/2006/main">
   <p:tag name="KSO_WM_UNIT_HIGHLIGHT" val="0"/>
@@ -9270,6 +9437,15 @@
   <p:tag name="KSO_WM_UNIT_LAYERLEVEL" val="1"/>
   <p:tag name="KSO_WM_TAG_VERSION" val="1.0"/>
   <p:tag name="KSO_WM_BEAUTIFY_FLAG" val="#wm#"/>
+</p:tagLst>
+</file>
+
+<file path=ppt/tags/tag90.xml><?xml version="1.0" encoding="utf-8"?>
+<p:tagLst xmlns:p="http://schemas.openxmlformats.org/presentationml/2006/main">
+  <p:tag name="KSO_WM_BEAUTIFY_FLAG" val="#wm#"/>
+  <p:tag name="KSO_WM_TEMPLATE_CATEGORY" val="custom"/>
+  <p:tag name="KSO_WM_TEMPLATE_INDEX" val="20203858"/>
+  <p:tag name="KSO_WM_SPECIAL_SOURCE" val="bdnull"/>
 </p:tagLst>
 </file>
 
